--- a/BEMUTATÓ/ANGOL_Halozattervezesi_vizsgaremek_ppt.pptx
+++ b/BEMUTATÓ/ANGOL_Halozattervezesi_vizsgaremek_ppt.pptx
@@ -146,6 +146,46 @@
 </p:presentation>
 </file>
 
+<file path=ppt/commentAuthors.xml><?xml version="1.0" encoding="utf-8"?>
+<p:cmAuthorLst xmlns:a="http://schemas.openxmlformats.org/drawingml/2006/main" xmlns:r="http://schemas.openxmlformats.org/officeDocument/2006/relationships" xmlns:p="http://schemas.openxmlformats.org/presentationml/2006/main">
+  <p:cmAuthor id="1" name="Gergő Lócska" initials="GL" lastIdx="3" clrIdx="0">
+    <p:extLst>
+      <p:ext uri="{19B8F6BF-5375-455C-9EA6-DF929625EA0E}">
+        <p15:presenceInfo xmlns:p15="http://schemas.microsoft.com/office/powerpoint/2012/main" userId="ffd0d91323af8196" providerId="Windows Live"/>
+      </p:ext>
+    </p:extLst>
+  </p:cmAuthor>
+</p:cmAuthorLst>
+</file>
+
+<file path=ppt/comments/comment1.xml><?xml version="1.0" encoding="utf-8"?>
+<p:cmLst xmlns:a="http://schemas.openxmlformats.org/drawingml/2006/main" xmlns:r="http://schemas.openxmlformats.org/officeDocument/2006/relationships" xmlns:p="http://schemas.openxmlformats.org/presentationml/2006/main">
+  <p:cm authorId="1" dt="2024-06-10T22:29:51.178" idx="3">
+    <p:pos x="5294" y="1844"/>
+    <p:text>“group thesis”</p:text>
+    <p:extLst>
+      <p:ext uri="{C676402C-5697-4E1C-873F-D02D1690AC5C}">
+        <p15:threadingInfo xmlns:p15="http://schemas.microsoft.com/office/powerpoint/2012/main" timeZoneBias="-120"/>
+      </p:ext>
+    </p:extLst>
+  </p:cm>
+</p:cmLst>
+</file>
+
+<file path=ppt/comments/comment2.xml><?xml version="1.0" encoding="utf-8"?>
+<p:cmLst xmlns:a="http://schemas.openxmlformats.org/drawingml/2006/main" xmlns:r="http://schemas.openxmlformats.org/officeDocument/2006/relationships" xmlns:p="http://schemas.openxmlformats.org/presentationml/2006/main">
+  <p:cm authorId="1" dt="2024-06-10T22:26:09.823" idx="2">
+    <p:pos x="2537" y="3540"/>
+    <p:text>Szálkapari Zrt. as a key contributor to the furniture industry</p:text>
+    <p:extLst>
+      <p:ext uri="{C676402C-5697-4E1C-873F-D02D1690AC5C}">
+        <p15:threadingInfo xmlns:p15="http://schemas.microsoft.com/office/powerpoint/2012/main" timeZoneBias="-120"/>
+      </p:ext>
+    </p:extLst>
+  </p:cm>
+</p:cmLst>
+</file>
+
 <file path=ppt/notesMasters/notesMaster1.xml><?xml version="1.0" encoding="utf-8"?>
 <p:notesMaster xmlns:a="http://schemas.openxmlformats.org/drawingml/2006/main" xmlns:r="http://schemas.openxmlformats.org/officeDocument/2006/relationships" xmlns:p="http://schemas.openxmlformats.org/presentationml/2006/main">
   <p:cSld>
@@ -228,7 +268,7 @@
           <a:p>
             <a:fld id="{F7ADC6D0-E922-4141-8754-0138B1CE9B91}" type="datetimeFigureOut">
               <a:rPr lang="hu-HU" smtClean="0"/>
-              <a:t>2024. 06. 09.</a:t>
+              <a:t>2024. 06. 10.</a:t>
             </a:fld>
             <a:endParaRPr lang="hu-HU"/>
           </a:p>
@@ -1996,7 +2036,7 @@
           <a:bodyPr/>
           <a:lstStyle/>
           <a:p>
-            <a:endParaRPr lang="hu-HU"/>
+            <a:endParaRPr lang="hu-HU" dirty="0"/>
           </a:p>
         </p:txBody>
       </p:sp>
@@ -2996,7 +3036,7 @@
           <a:noFill/>
           <a:extLst>
             <a:ext uri="{909E8E84-426E-40dd-AFC4-6F175D3DCCD1}">
-              <a14:hiddenFill xmlns="" xmlns:a14="http://schemas.microsoft.com/office/drawing/2010/main">
+              <a14:hiddenFill xmlns:a14="http://schemas.microsoft.com/office/drawing/2010/main" xmlns="">
                 <a:solidFill>
                   <a:srgbClr val="FFFFFF"/>
                 </a:solidFill>
@@ -3056,7 +3096,7 @@
             </a:ln>
             <a:extLst>
               <a:ext uri="{91240B29-F687-4f45-9708-019B960494DF}">
-                <a14:hiddenLine xmlns="" xmlns:a14="http://schemas.microsoft.com/office/drawing/2010/main" w="9525">
+                <a14:hiddenLine xmlns:a14="http://schemas.microsoft.com/office/drawing/2010/main" xmlns="" w="9525">
                   <a:solidFill>
                     <a:srgbClr val="000000"/>
                   </a:solidFill>
@@ -3146,7 +3186,7 @@
             </a:ln>
             <a:extLst>
               <a:ext uri="{91240B29-F687-4f45-9708-019B960494DF}">
-                <a14:hiddenLine xmlns="" xmlns:a14="http://schemas.microsoft.com/office/drawing/2010/main" w="9525">
+                <a14:hiddenLine xmlns:a14="http://schemas.microsoft.com/office/drawing/2010/main" xmlns="" w="9525">
                   <a:solidFill>
                     <a:srgbClr val="000000"/>
                   </a:solidFill>
@@ -3236,7 +3276,7 @@
             </a:ln>
             <a:extLst>
               <a:ext uri="{91240B29-F687-4f45-9708-019B960494DF}">
-                <a14:hiddenLine xmlns="" xmlns:a14="http://schemas.microsoft.com/office/drawing/2010/main" w="9525">
+                <a14:hiddenLine xmlns:a14="http://schemas.microsoft.com/office/drawing/2010/main" xmlns="" w="9525">
                   <a:solidFill>
                     <a:srgbClr val="000000"/>
                   </a:solidFill>
@@ -3270,7 +3310,7 @@
             </a:ln>
             <a:extLst>
               <a:ext uri="{91240B29-F687-4f45-9708-019B960494DF}">
-                <a14:hiddenLine xmlns="" xmlns:a14="http://schemas.microsoft.com/office/drawing/2010/main" w="9525">
+                <a14:hiddenLine xmlns:a14="http://schemas.microsoft.com/office/drawing/2010/main" xmlns="" w="9525">
                   <a:solidFill>
                     <a:srgbClr val="000000"/>
                   </a:solidFill>
@@ -3360,7 +3400,7 @@
             </a:ln>
             <a:extLst>
               <a:ext uri="{91240B29-F687-4f45-9708-019B960494DF}">
-                <a14:hiddenLine xmlns="" xmlns:a14="http://schemas.microsoft.com/office/drawing/2010/main" w="9525">
+                <a14:hiddenLine xmlns:a14="http://schemas.microsoft.com/office/drawing/2010/main" xmlns="" w="9525">
                   <a:solidFill>
                     <a:srgbClr val="000000"/>
                   </a:solidFill>
@@ -3422,7 +3462,7 @@
             </a:ln>
             <a:extLst>
               <a:ext uri="{91240B29-F687-4f45-9708-019B960494DF}">
-                <a14:hiddenLine xmlns="" xmlns:a14="http://schemas.microsoft.com/office/drawing/2010/main" w="9525">
+                <a14:hiddenLine xmlns:a14="http://schemas.microsoft.com/office/drawing/2010/main" xmlns="" w="9525">
                   <a:solidFill>
                     <a:srgbClr val="000000"/>
                   </a:solidFill>
@@ -3484,7 +3524,7 @@
             </a:ln>
             <a:extLst>
               <a:ext uri="{91240B29-F687-4f45-9708-019B960494DF}">
-                <a14:hiddenLine xmlns="" xmlns:a14="http://schemas.microsoft.com/office/drawing/2010/main" w="9525">
+                <a14:hiddenLine xmlns:a14="http://schemas.microsoft.com/office/drawing/2010/main" xmlns="" w="9525">
                   <a:solidFill>
                     <a:srgbClr val="000000"/>
                   </a:solidFill>
@@ -3574,7 +3614,7 @@
             </a:ln>
             <a:extLst>
               <a:ext uri="{91240B29-F687-4f45-9708-019B960494DF}">
-                <a14:hiddenLine xmlns="" xmlns:a14="http://schemas.microsoft.com/office/drawing/2010/main" w="9525">
+                <a14:hiddenLine xmlns:a14="http://schemas.microsoft.com/office/drawing/2010/main" xmlns="" w="9525">
                   <a:solidFill>
                     <a:srgbClr val="000000"/>
                   </a:solidFill>
@@ -3636,7 +3676,7 @@
             </a:ln>
             <a:extLst>
               <a:ext uri="{91240B29-F687-4f45-9708-019B960494DF}">
-                <a14:hiddenLine xmlns="" xmlns:a14="http://schemas.microsoft.com/office/drawing/2010/main" w="9525">
+                <a14:hiddenLine xmlns:a14="http://schemas.microsoft.com/office/drawing/2010/main" xmlns="" w="9525">
                   <a:solidFill>
                     <a:srgbClr val="000000"/>
                   </a:solidFill>
@@ -3698,7 +3738,7 @@
             </a:ln>
             <a:extLst>
               <a:ext uri="{91240B29-F687-4f45-9708-019B960494DF}">
-                <a14:hiddenLine xmlns="" xmlns:a14="http://schemas.microsoft.com/office/drawing/2010/main" w="9525">
+                <a14:hiddenLine xmlns:a14="http://schemas.microsoft.com/office/drawing/2010/main" xmlns="" w="9525">
                   <a:solidFill>
                     <a:srgbClr val="000000"/>
                   </a:solidFill>
@@ -3788,7 +3828,7 @@
             </a:ln>
             <a:extLst>
               <a:ext uri="{91240B29-F687-4f45-9708-019B960494DF}">
-                <a14:hiddenLine xmlns="" xmlns:a14="http://schemas.microsoft.com/office/drawing/2010/main" w="9525">
+                <a14:hiddenLine xmlns:a14="http://schemas.microsoft.com/office/drawing/2010/main" xmlns="" w="9525">
                   <a:solidFill>
                     <a:srgbClr val="000000"/>
                   </a:solidFill>
@@ -3878,7 +3918,7 @@
             </a:ln>
             <a:extLst>
               <a:ext uri="{91240B29-F687-4f45-9708-019B960494DF}">
-                <a14:hiddenLine xmlns="" xmlns:a14="http://schemas.microsoft.com/office/drawing/2010/main" w="9525">
+                <a14:hiddenLine xmlns:a14="http://schemas.microsoft.com/office/drawing/2010/main" xmlns="" w="9525">
                   <a:solidFill>
                     <a:srgbClr val="000000"/>
                   </a:solidFill>
@@ -3940,7 +3980,7 @@
             </a:ln>
             <a:extLst>
               <a:ext uri="{91240B29-F687-4f45-9708-019B960494DF}">
-                <a14:hiddenLine xmlns="" xmlns:a14="http://schemas.microsoft.com/office/drawing/2010/main" w="9525">
+                <a14:hiddenLine xmlns:a14="http://schemas.microsoft.com/office/drawing/2010/main" xmlns="" w="9525">
                   <a:solidFill>
                     <a:srgbClr val="000000"/>
                   </a:solidFill>
@@ -4050,7 +4090,7 @@
             </a:ln>
             <a:extLst>
               <a:ext uri="{91240B29-F687-4f45-9708-019B960494DF}">
-                <a14:hiddenLine xmlns="" xmlns:a14="http://schemas.microsoft.com/office/drawing/2010/main" w="9525">
+                <a14:hiddenLine xmlns:a14="http://schemas.microsoft.com/office/drawing/2010/main" xmlns="" w="9525">
                   <a:solidFill>
                     <a:srgbClr val="000000"/>
                   </a:solidFill>
@@ -4112,7 +4152,7 @@
             </a:ln>
             <a:extLst>
               <a:ext uri="{91240B29-F687-4f45-9708-019B960494DF}">
-                <a14:hiddenLine xmlns="" xmlns:a14="http://schemas.microsoft.com/office/drawing/2010/main" w="9525">
+                <a14:hiddenLine xmlns:a14="http://schemas.microsoft.com/office/drawing/2010/main" xmlns="" w="9525">
                   <a:solidFill>
                     <a:srgbClr val="000000"/>
                   </a:solidFill>
@@ -4202,7 +4242,7 @@
             </a:ln>
             <a:extLst>
               <a:ext uri="{91240B29-F687-4f45-9708-019B960494DF}">
-                <a14:hiddenLine xmlns="" xmlns:a14="http://schemas.microsoft.com/office/drawing/2010/main" w="9525">
+                <a14:hiddenLine xmlns:a14="http://schemas.microsoft.com/office/drawing/2010/main" xmlns="" w="9525">
                   <a:solidFill>
                     <a:srgbClr val="000000"/>
                   </a:solidFill>
@@ -4292,7 +4332,7 @@
             </a:ln>
             <a:extLst>
               <a:ext uri="{91240B29-F687-4f45-9708-019B960494DF}">
-                <a14:hiddenLine xmlns="" xmlns:a14="http://schemas.microsoft.com/office/drawing/2010/main" w="9525">
+                <a14:hiddenLine xmlns:a14="http://schemas.microsoft.com/office/drawing/2010/main" xmlns="" w="9525">
                   <a:solidFill>
                     <a:srgbClr val="000000"/>
                   </a:solidFill>
@@ -4354,7 +4394,7 @@
             </a:ln>
             <a:extLst>
               <a:ext uri="{91240B29-F687-4f45-9708-019B960494DF}">
-                <a14:hiddenLine xmlns="" xmlns:a14="http://schemas.microsoft.com/office/drawing/2010/main" w="9525">
+                <a14:hiddenLine xmlns:a14="http://schemas.microsoft.com/office/drawing/2010/main" xmlns="" w="9525">
                   <a:solidFill>
                     <a:srgbClr val="000000"/>
                   </a:solidFill>
@@ -4444,7 +4484,7 @@
             </a:ln>
             <a:extLst>
               <a:ext uri="{91240B29-F687-4f45-9708-019B960494DF}">
-                <a14:hiddenLine xmlns="" xmlns:a14="http://schemas.microsoft.com/office/drawing/2010/main" w="9525">
+                <a14:hiddenLine xmlns:a14="http://schemas.microsoft.com/office/drawing/2010/main" xmlns="" w="9525">
                   <a:solidFill>
                     <a:srgbClr val="000000"/>
                   </a:solidFill>
@@ -4534,7 +4574,7 @@
             </a:ln>
             <a:extLst>
               <a:ext uri="{91240B29-F687-4f45-9708-019B960494DF}">
-                <a14:hiddenLine xmlns="" xmlns:a14="http://schemas.microsoft.com/office/drawing/2010/main" w="9525">
+                <a14:hiddenLine xmlns:a14="http://schemas.microsoft.com/office/drawing/2010/main" xmlns="" w="9525">
                   <a:solidFill>
                     <a:srgbClr val="000000"/>
                   </a:solidFill>
@@ -4590,7 +4630,7 @@
             </a:ln>
             <a:extLst>
               <a:ext uri="{91240B29-F687-4f45-9708-019B960494DF}">
-                <a14:hiddenLine xmlns="" xmlns:a14="http://schemas.microsoft.com/office/drawing/2010/main" w="9525">
+                <a14:hiddenLine xmlns:a14="http://schemas.microsoft.com/office/drawing/2010/main" xmlns="" w="9525">
                   <a:solidFill>
                     <a:srgbClr val="000000"/>
                   </a:solidFill>
@@ -4680,7 +4720,7 @@
             </a:ln>
             <a:extLst>
               <a:ext uri="{91240B29-F687-4f45-9708-019B960494DF}">
-                <a14:hiddenLine xmlns="" xmlns:a14="http://schemas.microsoft.com/office/drawing/2010/main" w="9525">
+                <a14:hiddenLine xmlns:a14="http://schemas.microsoft.com/office/drawing/2010/main" xmlns="" w="9525">
                   <a:solidFill>
                     <a:srgbClr val="000000"/>
                   </a:solidFill>
@@ -4736,7 +4776,7 @@
             </a:ln>
             <a:extLst>
               <a:ext uri="{91240B29-F687-4f45-9708-019B960494DF}">
-                <a14:hiddenLine xmlns="" xmlns:a14="http://schemas.microsoft.com/office/drawing/2010/main" w="9525">
+                <a14:hiddenLine xmlns:a14="http://schemas.microsoft.com/office/drawing/2010/main" xmlns="" w="9525">
                   <a:solidFill>
                     <a:srgbClr val="000000"/>
                   </a:solidFill>
@@ -4826,7 +4866,7 @@
             </a:ln>
             <a:extLst>
               <a:ext uri="{91240B29-F687-4f45-9708-019B960494DF}">
-                <a14:hiddenLine xmlns="" xmlns:a14="http://schemas.microsoft.com/office/drawing/2010/main" w="9525">
+                <a14:hiddenLine xmlns:a14="http://schemas.microsoft.com/office/drawing/2010/main" xmlns="" w="9525">
                   <a:solidFill>
                     <a:srgbClr val="000000"/>
                   </a:solidFill>
@@ -4894,7 +4934,7 @@
             </a:ln>
             <a:extLst>
               <a:ext uri="{91240B29-F687-4f45-9708-019B960494DF}">
-                <a14:hiddenLine xmlns="" xmlns:a14="http://schemas.microsoft.com/office/drawing/2010/main" w="9525">
+                <a14:hiddenLine xmlns:a14="http://schemas.microsoft.com/office/drawing/2010/main" xmlns="" w="9525">
                   <a:solidFill>
                     <a:srgbClr val="000000"/>
                   </a:solidFill>
@@ -4984,7 +5024,7 @@
             </a:ln>
             <a:extLst>
               <a:ext uri="{91240B29-F687-4f45-9708-019B960494DF}">
-                <a14:hiddenLine xmlns="" xmlns:a14="http://schemas.microsoft.com/office/drawing/2010/main" w="9525">
+                <a14:hiddenLine xmlns:a14="http://schemas.microsoft.com/office/drawing/2010/main" xmlns="" w="9525">
                   <a:solidFill>
                     <a:srgbClr val="000000"/>
                   </a:solidFill>
@@ -5052,7 +5092,7 @@
             </a:ln>
             <a:extLst>
               <a:ext uri="{91240B29-F687-4f45-9708-019B960494DF}">
-                <a14:hiddenLine xmlns="" xmlns:a14="http://schemas.microsoft.com/office/drawing/2010/main" w="9525">
+                <a14:hiddenLine xmlns:a14="http://schemas.microsoft.com/office/drawing/2010/main" xmlns="" w="9525">
                   <a:solidFill>
                     <a:srgbClr val="000000"/>
                   </a:solidFill>
@@ -5142,7 +5182,7 @@
             </a:ln>
             <a:extLst>
               <a:ext uri="{91240B29-F687-4f45-9708-019B960494DF}">
-                <a14:hiddenLine xmlns="" xmlns:a14="http://schemas.microsoft.com/office/drawing/2010/main" w="9525">
+                <a14:hiddenLine xmlns:a14="http://schemas.microsoft.com/office/drawing/2010/main" xmlns="" w="9525">
                   <a:solidFill>
                     <a:srgbClr val="000000"/>
                   </a:solidFill>
@@ -5176,7 +5216,7 @@
             </a:ln>
             <a:extLst>
               <a:ext uri="{91240B29-F687-4f45-9708-019B960494DF}">
-                <a14:hiddenLine xmlns="" xmlns:a14="http://schemas.microsoft.com/office/drawing/2010/main" w="9525">
+                <a14:hiddenLine xmlns:a14="http://schemas.microsoft.com/office/drawing/2010/main" xmlns="" w="9525">
                   <a:solidFill>
                     <a:srgbClr val="000000"/>
                   </a:solidFill>
@@ -5266,7 +5306,7 @@
             </a:ln>
             <a:extLst>
               <a:ext uri="{91240B29-F687-4f45-9708-019B960494DF}">
-                <a14:hiddenLine xmlns="" xmlns:a14="http://schemas.microsoft.com/office/drawing/2010/main" w="9525">
+                <a14:hiddenLine xmlns:a14="http://schemas.microsoft.com/office/drawing/2010/main" xmlns="" w="9525">
                   <a:solidFill>
                     <a:srgbClr val="000000"/>
                   </a:solidFill>
@@ -5328,7 +5368,7 @@
             </a:ln>
             <a:extLst>
               <a:ext uri="{91240B29-F687-4f45-9708-019B960494DF}">
-                <a14:hiddenLine xmlns="" xmlns:a14="http://schemas.microsoft.com/office/drawing/2010/main" w="9525">
+                <a14:hiddenLine xmlns:a14="http://schemas.microsoft.com/office/drawing/2010/main" xmlns="" w="9525">
                   <a:solidFill>
                     <a:srgbClr val="000000"/>
                   </a:solidFill>
@@ -5390,7 +5430,7 @@
             </a:ln>
             <a:extLst>
               <a:ext uri="{91240B29-F687-4f45-9708-019B960494DF}">
-                <a14:hiddenLine xmlns="" xmlns:a14="http://schemas.microsoft.com/office/drawing/2010/main" w="9525">
+                <a14:hiddenLine xmlns:a14="http://schemas.microsoft.com/office/drawing/2010/main" xmlns="" w="9525">
                   <a:solidFill>
                     <a:srgbClr val="000000"/>
                   </a:solidFill>
@@ -5480,7 +5520,7 @@
             </a:ln>
             <a:extLst>
               <a:ext uri="{91240B29-F687-4f45-9708-019B960494DF}">
-                <a14:hiddenLine xmlns="" xmlns:a14="http://schemas.microsoft.com/office/drawing/2010/main" w="9525">
+                <a14:hiddenLine xmlns:a14="http://schemas.microsoft.com/office/drawing/2010/main" xmlns="" w="9525">
                   <a:solidFill>
                     <a:srgbClr val="000000"/>
                   </a:solidFill>
@@ -5548,7 +5588,7 @@
             </a:ln>
             <a:extLst>
               <a:ext uri="{91240B29-F687-4f45-9708-019B960494DF}">
-                <a14:hiddenLine xmlns="" xmlns:a14="http://schemas.microsoft.com/office/drawing/2010/main" w="9525">
+                <a14:hiddenLine xmlns:a14="http://schemas.microsoft.com/office/drawing/2010/main" xmlns="" w="9525">
                   <a:solidFill>
                     <a:srgbClr val="000000"/>
                   </a:solidFill>
@@ -5610,7 +5650,7 @@
             </a:ln>
             <a:extLst>
               <a:ext uri="{91240B29-F687-4f45-9708-019B960494DF}">
-                <a14:hiddenLine xmlns="" xmlns:a14="http://schemas.microsoft.com/office/drawing/2010/main" w="9525">
+                <a14:hiddenLine xmlns:a14="http://schemas.microsoft.com/office/drawing/2010/main" xmlns="" w="9525">
                   <a:solidFill>
                     <a:srgbClr val="000000"/>
                   </a:solidFill>
@@ -5700,7 +5740,7 @@
             </a:ln>
             <a:extLst>
               <a:ext uri="{91240B29-F687-4f45-9708-019B960494DF}">
-                <a14:hiddenLine xmlns="" xmlns:a14="http://schemas.microsoft.com/office/drawing/2010/main" w="9525">
+                <a14:hiddenLine xmlns:a14="http://schemas.microsoft.com/office/drawing/2010/main" xmlns="" w="9525">
                   <a:solidFill>
                     <a:srgbClr val="000000"/>
                   </a:solidFill>
@@ -5762,7 +5802,7 @@
             </a:ln>
             <a:extLst>
               <a:ext uri="{91240B29-F687-4f45-9708-019B960494DF}">
-                <a14:hiddenLine xmlns="" xmlns:a14="http://schemas.microsoft.com/office/drawing/2010/main" w="9525">
+                <a14:hiddenLine xmlns:a14="http://schemas.microsoft.com/office/drawing/2010/main" xmlns="" w="9525">
                   <a:solidFill>
                     <a:srgbClr val="000000"/>
                   </a:solidFill>
@@ -5852,7 +5892,7 @@
             </a:ln>
             <a:extLst>
               <a:ext uri="{91240B29-F687-4f45-9708-019B960494DF}">
-                <a14:hiddenLine xmlns="" xmlns:a14="http://schemas.microsoft.com/office/drawing/2010/main" w="9525">
+                <a14:hiddenLine xmlns:a14="http://schemas.microsoft.com/office/drawing/2010/main" xmlns="" w="9525">
                   <a:solidFill>
                     <a:srgbClr val="000000"/>
                   </a:solidFill>
@@ -5914,7 +5954,7 @@
             </a:ln>
             <a:extLst>
               <a:ext uri="{91240B29-F687-4f45-9708-019B960494DF}">
-                <a14:hiddenLine xmlns="" xmlns:a14="http://schemas.microsoft.com/office/drawing/2010/main" w="9525">
+                <a14:hiddenLine xmlns:a14="http://schemas.microsoft.com/office/drawing/2010/main" xmlns="" w="9525">
                   <a:solidFill>
                     <a:srgbClr val="000000"/>
                   </a:solidFill>
@@ -6004,7 +6044,7 @@
             </a:ln>
             <a:extLst>
               <a:ext uri="{91240B29-F687-4f45-9708-019B960494DF}">
-                <a14:hiddenLine xmlns="" xmlns:a14="http://schemas.microsoft.com/office/drawing/2010/main" w="9525">
+                <a14:hiddenLine xmlns:a14="http://schemas.microsoft.com/office/drawing/2010/main" xmlns="" w="9525">
                   <a:solidFill>
                     <a:srgbClr val="000000"/>
                   </a:solidFill>
@@ -6038,7 +6078,7 @@
             </a:ln>
             <a:extLst>
               <a:ext uri="{91240B29-F687-4f45-9708-019B960494DF}">
-                <a14:hiddenLine xmlns="" xmlns:a14="http://schemas.microsoft.com/office/drawing/2010/main" w="9525">
+                <a14:hiddenLine xmlns:a14="http://schemas.microsoft.com/office/drawing/2010/main" xmlns="" w="9525">
                   <a:solidFill>
                     <a:srgbClr val="000000"/>
                   </a:solidFill>
@@ -6103,7 +6143,7 @@
             </a:ln>
             <a:extLst>
               <a:ext uri="{91240B29-F687-4f45-9708-019B960494DF}">
-                <a14:hiddenLine xmlns="" xmlns:a14="http://schemas.microsoft.com/office/drawing/2010/main" w="9525">
+                <a14:hiddenLine xmlns:a14="http://schemas.microsoft.com/office/drawing/2010/main" xmlns="" w="9525">
                   <a:solidFill>
                     <a:srgbClr val="000000"/>
                   </a:solidFill>
@@ -6193,7 +6233,7 @@
             </a:ln>
             <a:extLst>
               <a:ext uri="{91240B29-F687-4f45-9708-019B960494DF}">
-                <a14:hiddenLine xmlns="" xmlns:a14="http://schemas.microsoft.com/office/drawing/2010/main" w="9525">
+                <a14:hiddenLine xmlns:a14="http://schemas.microsoft.com/office/drawing/2010/main" xmlns="" w="9525">
                   <a:solidFill>
                     <a:srgbClr val="000000"/>
                   </a:solidFill>
@@ -6255,7 +6295,7 @@
             </a:ln>
             <a:extLst>
               <a:ext uri="{91240B29-F687-4f45-9708-019B960494DF}">
-                <a14:hiddenLine xmlns="" xmlns:a14="http://schemas.microsoft.com/office/drawing/2010/main" w="9525">
+                <a14:hiddenLine xmlns:a14="http://schemas.microsoft.com/office/drawing/2010/main" xmlns="" w="9525">
                   <a:solidFill>
                     <a:srgbClr val="000000"/>
                   </a:solidFill>
@@ -6345,7 +6385,7 @@
             </a:ln>
             <a:extLst>
               <a:ext uri="{91240B29-F687-4f45-9708-019B960494DF}">
-                <a14:hiddenLine xmlns="" xmlns:a14="http://schemas.microsoft.com/office/drawing/2010/main" w="9525">
+                <a14:hiddenLine xmlns:a14="http://schemas.microsoft.com/office/drawing/2010/main" xmlns="" w="9525">
                   <a:solidFill>
                     <a:srgbClr val="000000"/>
                   </a:solidFill>
@@ -6435,7 +6475,7 @@
             </a:ln>
             <a:extLst>
               <a:ext uri="{91240B29-F687-4f45-9708-019B960494DF}">
-                <a14:hiddenLine xmlns="" xmlns:a14="http://schemas.microsoft.com/office/drawing/2010/main" w="9525">
+                <a14:hiddenLine xmlns:a14="http://schemas.microsoft.com/office/drawing/2010/main" xmlns="" w="9525">
                   <a:solidFill>
                     <a:srgbClr val="000000"/>
                   </a:solidFill>
@@ -6500,7 +6540,7 @@
             </a:ln>
             <a:extLst>
               <a:ext uri="{91240B29-F687-4f45-9708-019B960494DF}">
-                <a14:hiddenLine xmlns="" xmlns:a14="http://schemas.microsoft.com/office/drawing/2010/main" w="9525">
+                <a14:hiddenLine xmlns:a14="http://schemas.microsoft.com/office/drawing/2010/main" xmlns="" w="9525">
                   <a:solidFill>
                     <a:srgbClr val="000000"/>
                   </a:solidFill>
@@ -6562,7 +6602,7 @@
             </a:ln>
             <a:extLst>
               <a:ext uri="{91240B29-F687-4f45-9708-019B960494DF}">
-                <a14:hiddenLine xmlns="" xmlns:a14="http://schemas.microsoft.com/office/drawing/2010/main" w="9525">
+                <a14:hiddenLine xmlns:a14="http://schemas.microsoft.com/office/drawing/2010/main" xmlns="" w="9525">
                   <a:solidFill>
                     <a:srgbClr val="000000"/>
                   </a:solidFill>
@@ -6652,7 +6692,7 @@
             </a:ln>
             <a:extLst>
               <a:ext uri="{91240B29-F687-4f45-9708-019B960494DF}">
-                <a14:hiddenLine xmlns="" xmlns:a14="http://schemas.microsoft.com/office/drawing/2010/main" w="9525">
+                <a14:hiddenLine xmlns:a14="http://schemas.microsoft.com/office/drawing/2010/main" xmlns="" w="9525">
                   <a:solidFill>
                     <a:srgbClr val="000000"/>
                   </a:solidFill>
@@ -6742,7 +6782,7 @@
             </a:ln>
             <a:extLst>
               <a:ext uri="{91240B29-F687-4f45-9708-019B960494DF}">
-                <a14:hiddenLine xmlns="" xmlns:a14="http://schemas.microsoft.com/office/drawing/2010/main" w="9525">
+                <a14:hiddenLine xmlns:a14="http://schemas.microsoft.com/office/drawing/2010/main" xmlns="" w="9525">
                   <a:solidFill>
                     <a:srgbClr val="000000"/>
                   </a:solidFill>
@@ -6804,7 +6844,7 @@
             </a:ln>
             <a:extLst>
               <a:ext uri="{91240B29-F687-4f45-9708-019B960494DF}">
-                <a14:hiddenLine xmlns="" xmlns:a14="http://schemas.microsoft.com/office/drawing/2010/main" w="9525">
+                <a14:hiddenLine xmlns:a14="http://schemas.microsoft.com/office/drawing/2010/main" xmlns="" w="9525">
                   <a:solidFill>
                     <a:srgbClr val="000000"/>
                   </a:solidFill>
@@ -6924,7 +6964,7 @@
             </a:ln>
             <a:extLst>
               <a:ext uri="{91240B29-F687-4f45-9708-019B960494DF}">
-                <a14:hiddenLine xmlns="" xmlns:a14="http://schemas.microsoft.com/office/drawing/2010/main" w="9525">
+                <a14:hiddenLine xmlns:a14="http://schemas.microsoft.com/office/drawing/2010/main" xmlns="" w="9525">
                   <a:solidFill>
                     <a:srgbClr val="000000"/>
                   </a:solidFill>
@@ -6992,7 +7032,7 @@
             </a:ln>
             <a:extLst>
               <a:ext uri="{91240B29-F687-4f45-9708-019B960494DF}">
-                <a14:hiddenLine xmlns="" xmlns:a14="http://schemas.microsoft.com/office/drawing/2010/main" w="9525">
+                <a14:hiddenLine xmlns:a14="http://schemas.microsoft.com/office/drawing/2010/main" xmlns="" w="9525">
                   <a:solidFill>
                     <a:srgbClr val="000000"/>
                   </a:solidFill>
@@ -7082,7 +7122,7 @@
             </a:ln>
             <a:extLst>
               <a:ext uri="{91240B29-F687-4f45-9708-019B960494DF}">
-                <a14:hiddenLine xmlns="" xmlns:a14="http://schemas.microsoft.com/office/drawing/2010/main" w="9525">
+                <a14:hiddenLine xmlns:a14="http://schemas.microsoft.com/office/drawing/2010/main" xmlns="" w="9525">
                   <a:solidFill>
                     <a:srgbClr val="000000"/>
                   </a:solidFill>
@@ -7222,7 +7262,7 @@
           <a:p>
             <a:fld id="{5BCAD085-E8A6-8845-BD4E-CB4CCA059FC4}" type="datetimeFigureOut">
               <a:rPr lang="en-US" smtClean="0"/>
-              <a:t>6/9/2024</a:t>
+              <a:t>6/10/2024</a:t>
             </a:fld>
             <a:endParaRPr lang="en-US"/>
           </a:p>
@@ -7489,7 +7529,7 @@
           <a:p>
             <a:fld id="{5BCAD085-E8A6-8845-BD4E-CB4CCA059FC4}" type="datetimeFigureOut">
               <a:rPr lang="en-US" smtClean="0"/>
-              <a:t>6/9/2024</a:t>
+              <a:t>6/10/2024</a:t>
             </a:fld>
             <a:endParaRPr lang="en-US"/>
           </a:p>
@@ -7685,7 +7725,7 @@
           <a:p>
             <a:fld id="{5BCAD085-E8A6-8845-BD4E-CB4CCA059FC4}" type="datetimeFigureOut">
               <a:rPr lang="en-US" smtClean="0"/>
-              <a:t>6/9/2024</a:t>
+              <a:t>6/10/2024</a:t>
             </a:fld>
             <a:endParaRPr lang="en-US"/>
           </a:p>
@@ -7948,7 +7988,7 @@
           <a:p>
             <a:fld id="{5BCAD085-E8A6-8845-BD4E-CB4CCA059FC4}" type="datetimeFigureOut">
               <a:rPr lang="en-US" smtClean="0"/>
-              <a:t>6/9/2024</a:t>
+              <a:t>6/10/2024</a:t>
             </a:fld>
             <a:endParaRPr lang="en-US"/>
           </a:p>
@@ -8382,7 +8422,7 @@
           <a:p>
             <a:fld id="{5BCAD085-E8A6-8845-BD4E-CB4CCA059FC4}" type="datetimeFigureOut">
               <a:rPr lang="en-US" smtClean="0"/>
-              <a:t>6/9/2024</a:t>
+              <a:t>6/10/2024</a:t>
             </a:fld>
             <a:endParaRPr lang="en-US"/>
           </a:p>
@@ -8928,7 +8968,7 @@
           <a:p>
             <a:fld id="{5BCAD085-E8A6-8845-BD4E-CB4CCA059FC4}" type="datetimeFigureOut">
               <a:rPr lang="en-US" smtClean="0"/>
-              <a:t>6/9/2024</a:t>
+              <a:t>6/10/2024</a:t>
             </a:fld>
             <a:endParaRPr lang="en-US"/>
           </a:p>
@@ -9648,7 +9688,7 @@
           <a:p>
             <a:fld id="{5BCAD085-E8A6-8845-BD4E-CB4CCA059FC4}" type="datetimeFigureOut">
               <a:rPr lang="en-US" smtClean="0"/>
-              <a:t>6/9/2024</a:t>
+              <a:t>6/10/2024</a:t>
             </a:fld>
             <a:endParaRPr lang="en-US"/>
           </a:p>
@@ -9822,7 +9862,7 @@
           <a:p>
             <a:fld id="{5BCAD085-E8A6-8845-BD4E-CB4CCA059FC4}" type="datetimeFigureOut">
               <a:rPr lang="en-US" smtClean="0"/>
-              <a:t>6/9/2024</a:t>
+              <a:t>6/10/2024</a:t>
             </a:fld>
             <a:endParaRPr lang="en-US"/>
           </a:p>
@@ -10002,7 +10042,7 @@
           <a:p>
             <a:fld id="{5BCAD085-E8A6-8845-BD4E-CB4CCA059FC4}" type="datetimeFigureOut">
               <a:rPr lang="en-US" smtClean="0"/>
-              <a:t>6/9/2024</a:t>
+              <a:t>6/10/2024</a:t>
             </a:fld>
             <a:endParaRPr lang="en-US"/>
           </a:p>
@@ -10187,7 +10227,7 @@
           <a:p>
             <a:fld id="{5BCAD085-E8A6-8845-BD4E-CB4CCA059FC4}" type="datetimeFigureOut">
               <a:rPr lang="en-US" smtClean="0"/>
-              <a:t>6/9/2024</a:t>
+              <a:t>6/10/2024</a:t>
             </a:fld>
             <a:endParaRPr lang="en-US"/>
           </a:p>
@@ -10447,7 +10487,7 @@
           <a:p>
             <a:fld id="{5BCAD085-E8A6-8845-BD4E-CB4CCA059FC4}" type="datetimeFigureOut">
               <a:rPr lang="en-US" smtClean="0"/>
-              <a:t>6/9/2024</a:t>
+              <a:t>6/10/2024</a:t>
             </a:fld>
             <a:endParaRPr lang="en-US"/>
           </a:p>
@@ -10679,7 +10719,7 @@
           <a:p>
             <a:fld id="{5BCAD085-E8A6-8845-BD4E-CB4CCA059FC4}" type="datetimeFigureOut">
               <a:rPr lang="en-US" smtClean="0"/>
-              <a:t>6/9/2024</a:t>
+              <a:t>6/10/2024</a:t>
             </a:fld>
             <a:endParaRPr lang="en-US"/>
           </a:p>
@@ -11060,7 +11100,7 @@
           <a:p>
             <a:fld id="{5BCAD085-E8A6-8845-BD4E-CB4CCA059FC4}" type="datetimeFigureOut">
               <a:rPr lang="en-US" smtClean="0"/>
-              <a:t>6/9/2024</a:t>
+              <a:t>6/10/2024</a:t>
             </a:fld>
             <a:endParaRPr lang="en-US"/>
           </a:p>
@@ -11178,7 +11218,7 @@
           <a:p>
             <a:fld id="{5BCAD085-E8A6-8845-BD4E-CB4CCA059FC4}" type="datetimeFigureOut">
               <a:rPr lang="en-US" smtClean="0"/>
-              <a:t>6/9/2024</a:t>
+              <a:t>6/10/2024</a:t>
             </a:fld>
             <a:endParaRPr lang="en-US"/>
           </a:p>
@@ -11273,7 +11313,7 @@
           <a:p>
             <a:fld id="{5BCAD085-E8A6-8845-BD4E-CB4CCA059FC4}" type="datetimeFigureOut">
               <a:rPr lang="en-US" smtClean="0"/>
-              <a:t>6/9/2024</a:t>
+              <a:t>6/10/2024</a:t>
             </a:fld>
             <a:endParaRPr lang="en-US"/>
           </a:p>
@@ -11522,7 +11562,7 @@
           <a:p>
             <a:fld id="{5BCAD085-E8A6-8845-BD4E-CB4CCA059FC4}" type="datetimeFigureOut">
               <a:rPr lang="en-US" smtClean="0"/>
-              <a:t>6/9/2024</a:t>
+              <a:t>6/10/2024</a:t>
             </a:fld>
             <a:endParaRPr lang="en-US"/>
           </a:p>
@@ -11774,7 +11814,7 @@
           <a:p>
             <a:fld id="{5BCAD085-E8A6-8845-BD4E-CB4CCA059FC4}" type="datetimeFigureOut">
               <a:rPr lang="en-US" smtClean="0"/>
-              <a:t>6/9/2024</a:t>
+              <a:t>6/10/2024</a:t>
             </a:fld>
             <a:endParaRPr lang="en-US"/>
           </a:p>
@@ -11897,7 +11937,7 @@
           <a:noFill/>
           <a:extLst>
             <a:ext uri="{909E8E84-426E-40dd-AFC4-6F175D3DCCD1}">
-              <a14:hiddenFill xmlns="" xmlns:a14="http://schemas.microsoft.com/office/drawing/2010/main">
+              <a14:hiddenFill xmlns:a14="http://schemas.microsoft.com/office/drawing/2010/main" xmlns="">
                 <a:solidFill>
                   <a:srgbClr val="FFFFFF"/>
                 </a:solidFill>
@@ -11971,7 +12011,7 @@
               </a:ln>
               <a:extLst>
                 <a:ext uri="{91240B29-F687-4f45-9708-019B960494DF}">
-                  <a14:hiddenLine xmlns="" xmlns:a14="http://schemas.microsoft.com/office/drawing/2010/main" w="9525">
+                  <a14:hiddenLine xmlns:a14="http://schemas.microsoft.com/office/drawing/2010/main" xmlns="" w="9525">
                     <a:solidFill>
                       <a:srgbClr val="000000"/>
                     </a:solidFill>
@@ -12061,7 +12101,7 @@
               </a:ln>
               <a:extLst>
                 <a:ext uri="{91240B29-F687-4f45-9708-019B960494DF}">
-                  <a14:hiddenLine xmlns="" xmlns:a14="http://schemas.microsoft.com/office/drawing/2010/main" w="9525">
+                  <a14:hiddenLine xmlns:a14="http://schemas.microsoft.com/office/drawing/2010/main" xmlns="" w="9525">
                     <a:solidFill>
                       <a:srgbClr val="000000"/>
                     </a:solidFill>
@@ -12151,7 +12191,7 @@
               </a:ln>
               <a:extLst>
                 <a:ext uri="{91240B29-F687-4f45-9708-019B960494DF}">
-                  <a14:hiddenLine xmlns="" xmlns:a14="http://schemas.microsoft.com/office/drawing/2010/main" w="9525">
+                  <a14:hiddenLine xmlns:a14="http://schemas.microsoft.com/office/drawing/2010/main" xmlns="" w="9525">
                     <a:solidFill>
                       <a:srgbClr val="000000"/>
                     </a:solidFill>
@@ -12213,7 +12253,7 @@
               </a:ln>
               <a:extLst>
                 <a:ext uri="{91240B29-F687-4f45-9708-019B960494DF}">
-                  <a14:hiddenLine xmlns="" xmlns:a14="http://schemas.microsoft.com/office/drawing/2010/main" w="9525">
+                  <a14:hiddenLine xmlns:a14="http://schemas.microsoft.com/office/drawing/2010/main" xmlns="" w="9525">
                     <a:solidFill>
                       <a:srgbClr val="000000"/>
                     </a:solidFill>
@@ -12303,7 +12343,7 @@
               </a:ln>
               <a:extLst>
                 <a:ext uri="{91240B29-F687-4f45-9708-019B960494DF}">
-                  <a14:hiddenLine xmlns="" xmlns:a14="http://schemas.microsoft.com/office/drawing/2010/main" w="9525">
+                  <a14:hiddenLine xmlns:a14="http://schemas.microsoft.com/office/drawing/2010/main" xmlns="" w="9525">
                     <a:solidFill>
                       <a:srgbClr val="000000"/>
                     </a:solidFill>
@@ -12365,7 +12405,7 @@
               </a:ln>
               <a:extLst>
                 <a:ext uri="{91240B29-F687-4f45-9708-019B960494DF}">
-                  <a14:hiddenLine xmlns="" xmlns:a14="http://schemas.microsoft.com/office/drawing/2010/main" w="9525">
+                  <a14:hiddenLine xmlns:a14="http://schemas.microsoft.com/office/drawing/2010/main" xmlns="" w="9525">
                     <a:solidFill>
                       <a:srgbClr val="000000"/>
                     </a:solidFill>
@@ -12427,7 +12467,7 @@
               </a:ln>
               <a:extLst>
                 <a:ext uri="{91240B29-F687-4f45-9708-019B960494DF}">
-                  <a14:hiddenLine xmlns="" xmlns:a14="http://schemas.microsoft.com/office/drawing/2010/main" w="9525">
+                  <a14:hiddenLine xmlns:a14="http://schemas.microsoft.com/office/drawing/2010/main" xmlns="" w="9525">
                     <a:solidFill>
                       <a:srgbClr val="000000"/>
                     </a:solidFill>
@@ -12517,7 +12557,7 @@
               </a:ln>
               <a:extLst>
                 <a:ext uri="{91240B29-F687-4f45-9708-019B960494DF}">
-                  <a14:hiddenLine xmlns="" xmlns:a14="http://schemas.microsoft.com/office/drawing/2010/main" w="9525">
+                  <a14:hiddenLine xmlns:a14="http://schemas.microsoft.com/office/drawing/2010/main" xmlns="" w="9525">
                     <a:solidFill>
                       <a:srgbClr val="000000"/>
                     </a:solidFill>
@@ -12607,7 +12647,7 @@
               </a:ln>
               <a:extLst>
                 <a:ext uri="{91240B29-F687-4f45-9708-019B960494DF}">
-                  <a14:hiddenLine xmlns="" xmlns:a14="http://schemas.microsoft.com/office/drawing/2010/main" w="9525">
+                  <a14:hiddenLine xmlns:a14="http://schemas.microsoft.com/office/drawing/2010/main" xmlns="" w="9525">
                     <a:solidFill>
                       <a:srgbClr val="000000"/>
                     </a:solidFill>
@@ -12669,7 +12709,7 @@
               </a:ln>
               <a:extLst>
                 <a:ext uri="{91240B29-F687-4f45-9708-019B960494DF}">
-                  <a14:hiddenLine xmlns="" xmlns:a14="http://schemas.microsoft.com/office/drawing/2010/main" w="9525">
+                  <a14:hiddenLine xmlns:a14="http://schemas.microsoft.com/office/drawing/2010/main" xmlns="" w="9525">
                     <a:solidFill>
                       <a:srgbClr val="000000"/>
                     </a:solidFill>
@@ -12779,7 +12819,7 @@
               </a:ln>
               <a:extLst>
                 <a:ext uri="{91240B29-F687-4f45-9708-019B960494DF}">
-                  <a14:hiddenLine xmlns="" xmlns:a14="http://schemas.microsoft.com/office/drawing/2010/main" w="9525">
+                  <a14:hiddenLine xmlns:a14="http://schemas.microsoft.com/office/drawing/2010/main" xmlns="" w="9525">
                     <a:solidFill>
                       <a:srgbClr val="000000"/>
                     </a:solidFill>
@@ -12863,7 +12903,7 @@
               </a:ln>
               <a:extLst>
                 <a:ext uri="{91240B29-F687-4f45-9708-019B960494DF}">
-                  <a14:hiddenLine xmlns="" xmlns:a14="http://schemas.microsoft.com/office/drawing/2010/main" w="9525">
+                  <a14:hiddenLine xmlns:a14="http://schemas.microsoft.com/office/drawing/2010/main" xmlns="" w="9525">
                     <a:solidFill>
                       <a:srgbClr val="000000"/>
                     </a:solidFill>
@@ -12925,7 +12965,7 @@
               </a:ln>
               <a:extLst>
                 <a:ext uri="{91240B29-F687-4f45-9708-019B960494DF}">
-                  <a14:hiddenLine xmlns="" xmlns:a14="http://schemas.microsoft.com/office/drawing/2010/main" w="9525">
+                  <a14:hiddenLine xmlns:a14="http://schemas.microsoft.com/office/drawing/2010/main" xmlns="" w="9525">
                     <a:solidFill>
                       <a:srgbClr val="000000"/>
                     </a:solidFill>
@@ -12987,7 +13027,7 @@
               </a:ln>
               <a:extLst>
                 <a:ext uri="{91240B29-F687-4f45-9708-019B960494DF}">
-                  <a14:hiddenLine xmlns="" xmlns:a14="http://schemas.microsoft.com/office/drawing/2010/main" w="9525">
+                  <a14:hiddenLine xmlns:a14="http://schemas.microsoft.com/office/drawing/2010/main" xmlns="" w="9525">
                     <a:solidFill>
                       <a:srgbClr val="000000"/>
                     </a:solidFill>
@@ -13077,7 +13117,7 @@
               </a:ln>
               <a:extLst>
                 <a:ext uri="{91240B29-F687-4f45-9708-019B960494DF}">
-                  <a14:hiddenLine xmlns="" xmlns:a14="http://schemas.microsoft.com/office/drawing/2010/main" w="9525">
+                  <a14:hiddenLine xmlns:a14="http://schemas.microsoft.com/office/drawing/2010/main" xmlns="" w="9525">
                     <a:solidFill>
                       <a:srgbClr val="000000"/>
                     </a:solidFill>
@@ -13111,7 +13151,7 @@
               </a:ln>
               <a:extLst>
                 <a:ext uri="{91240B29-F687-4f45-9708-019B960494DF}">
-                  <a14:hiddenLine xmlns="" xmlns:a14="http://schemas.microsoft.com/office/drawing/2010/main" w="9525">
+                  <a14:hiddenLine xmlns:a14="http://schemas.microsoft.com/office/drawing/2010/main" xmlns="" w="9525">
                     <a:solidFill>
                       <a:srgbClr val="000000"/>
                     </a:solidFill>
@@ -13176,7 +13216,7 @@
               </a:ln>
               <a:extLst>
                 <a:ext uri="{91240B29-F687-4f45-9708-019B960494DF}">
-                  <a14:hiddenLine xmlns="" xmlns:a14="http://schemas.microsoft.com/office/drawing/2010/main" w="9525">
+                  <a14:hiddenLine xmlns:a14="http://schemas.microsoft.com/office/drawing/2010/main" xmlns="" w="9525">
                     <a:solidFill>
                       <a:srgbClr val="000000"/>
                     </a:solidFill>
@@ -13266,7 +13306,7 @@
               </a:ln>
               <a:extLst>
                 <a:ext uri="{91240B29-F687-4f45-9708-019B960494DF}">
-                  <a14:hiddenLine xmlns="" xmlns:a14="http://schemas.microsoft.com/office/drawing/2010/main" w="9525">
+                  <a14:hiddenLine xmlns:a14="http://schemas.microsoft.com/office/drawing/2010/main" xmlns="" w="9525">
                     <a:solidFill>
                       <a:srgbClr val="000000"/>
                     </a:solidFill>
@@ -13328,7 +13368,7 @@
               </a:ln>
               <a:extLst>
                 <a:ext uri="{91240B29-F687-4f45-9708-019B960494DF}">
-                  <a14:hiddenLine xmlns="" xmlns:a14="http://schemas.microsoft.com/office/drawing/2010/main" w="9525">
+                  <a14:hiddenLine xmlns:a14="http://schemas.microsoft.com/office/drawing/2010/main" xmlns="" w="9525">
                     <a:solidFill>
                       <a:srgbClr val="000000"/>
                     </a:solidFill>
@@ -13418,7 +13458,7 @@
               </a:ln>
               <a:extLst>
                 <a:ext uri="{91240B29-F687-4f45-9708-019B960494DF}">
-                  <a14:hiddenLine xmlns="" xmlns:a14="http://schemas.microsoft.com/office/drawing/2010/main" w="9525">
+                  <a14:hiddenLine xmlns:a14="http://schemas.microsoft.com/office/drawing/2010/main" xmlns="" w="9525">
                     <a:solidFill>
                       <a:srgbClr val="000000"/>
                     </a:solidFill>
@@ -13483,7 +13523,7 @@
               </a:ln>
               <a:extLst>
                 <a:ext uri="{91240B29-F687-4f45-9708-019B960494DF}">
-                  <a14:hiddenLine xmlns="" xmlns:a14="http://schemas.microsoft.com/office/drawing/2010/main" w="9525">
+                  <a14:hiddenLine xmlns:a14="http://schemas.microsoft.com/office/drawing/2010/main" xmlns="" w="9525">
                     <a:solidFill>
                       <a:srgbClr val="000000"/>
                     </a:solidFill>
@@ -13545,7 +13585,7 @@
               </a:ln>
               <a:extLst>
                 <a:ext uri="{91240B29-F687-4f45-9708-019B960494DF}">
-                  <a14:hiddenLine xmlns="" xmlns:a14="http://schemas.microsoft.com/office/drawing/2010/main" w="9525">
+                  <a14:hiddenLine xmlns:a14="http://schemas.microsoft.com/office/drawing/2010/main" xmlns="" w="9525">
                     <a:solidFill>
                       <a:srgbClr val="000000"/>
                     </a:solidFill>
@@ -13635,7 +13675,7 @@
               </a:ln>
               <a:extLst>
                 <a:ext uri="{91240B29-F687-4f45-9708-019B960494DF}">
-                  <a14:hiddenLine xmlns="" xmlns:a14="http://schemas.microsoft.com/office/drawing/2010/main" w="9525">
+                  <a14:hiddenLine xmlns:a14="http://schemas.microsoft.com/office/drawing/2010/main" xmlns="" w="9525">
                     <a:solidFill>
                       <a:srgbClr val="000000"/>
                     </a:solidFill>
@@ -13725,7 +13765,7 @@
               </a:ln>
               <a:extLst>
                 <a:ext uri="{91240B29-F687-4f45-9708-019B960494DF}">
-                  <a14:hiddenLine xmlns="" xmlns:a14="http://schemas.microsoft.com/office/drawing/2010/main" w="9525">
+                  <a14:hiddenLine xmlns:a14="http://schemas.microsoft.com/office/drawing/2010/main" xmlns="" w="9525">
                     <a:solidFill>
                       <a:srgbClr val="000000"/>
                     </a:solidFill>
@@ -13790,7 +13830,7 @@
               </a:ln>
               <a:extLst>
                 <a:ext uri="{91240B29-F687-4f45-9708-019B960494DF}">
-                  <a14:hiddenLine xmlns="" xmlns:a14="http://schemas.microsoft.com/office/drawing/2010/main" w="9525">
+                  <a14:hiddenLine xmlns:a14="http://schemas.microsoft.com/office/drawing/2010/main" xmlns="" w="9525">
                     <a:solidFill>
                       <a:srgbClr val="000000"/>
                     </a:solidFill>
@@ -13910,7 +13950,7 @@
               </a:ln>
               <a:extLst>
                 <a:ext uri="{91240B29-F687-4f45-9708-019B960494DF}">
-                  <a14:hiddenLine xmlns="" xmlns:a14="http://schemas.microsoft.com/office/drawing/2010/main" w="9525">
+                  <a14:hiddenLine xmlns:a14="http://schemas.microsoft.com/office/drawing/2010/main" xmlns="" w="9525">
                     <a:solidFill>
                       <a:srgbClr val="000000"/>
                     </a:solidFill>
@@ -14008,7 +14048,7 @@
               </a:ln>
               <a:extLst>
                 <a:ext uri="{91240B29-F687-4f45-9708-019B960494DF}">
-                  <a14:hiddenLine xmlns="" xmlns:a14="http://schemas.microsoft.com/office/drawing/2010/main" w="9525">
+                  <a14:hiddenLine xmlns:a14="http://schemas.microsoft.com/office/drawing/2010/main" xmlns="" w="9525">
                     <a:solidFill>
                       <a:srgbClr val="000000"/>
                     </a:solidFill>
@@ -14123,7 +14163,7 @@
               </a:ln>
               <a:extLst>
                 <a:ext uri="{91240B29-F687-4f45-9708-019B960494DF}">
-                  <a14:hiddenLine xmlns="" xmlns:a14="http://schemas.microsoft.com/office/drawing/2010/main" w="9525">
+                  <a14:hiddenLine xmlns:a14="http://schemas.microsoft.com/office/drawing/2010/main" xmlns="" w="9525">
                     <a:solidFill>
                       <a:srgbClr val="000000"/>
                     </a:solidFill>
@@ -14213,7 +14253,7 @@
               </a:ln>
               <a:extLst>
                 <a:ext uri="{91240B29-F687-4f45-9708-019B960494DF}">
-                  <a14:hiddenLine xmlns="" xmlns:a14="http://schemas.microsoft.com/office/drawing/2010/main" w="9525">
+                  <a14:hiddenLine xmlns:a14="http://schemas.microsoft.com/office/drawing/2010/main" xmlns="" w="9525">
                     <a:solidFill>
                       <a:srgbClr val="000000"/>
                     </a:solidFill>
@@ -14278,7 +14318,7 @@
               </a:ln>
               <a:extLst>
                 <a:ext uri="{91240B29-F687-4f45-9708-019B960494DF}">
-                  <a14:hiddenLine xmlns="" xmlns:a14="http://schemas.microsoft.com/office/drawing/2010/main" w="9525">
+                  <a14:hiddenLine xmlns:a14="http://schemas.microsoft.com/office/drawing/2010/main" xmlns="" w="9525">
                     <a:solidFill>
                       <a:srgbClr val="000000"/>
                     </a:solidFill>
@@ -14368,7 +14408,7 @@
               </a:ln>
               <a:extLst>
                 <a:ext uri="{91240B29-F687-4f45-9708-019B960494DF}">
-                  <a14:hiddenLine xmlns="" xmlns:a14="http://schemas.microsoft.com/office/drawing/2010/main" w="9525">
+                  <a14:hiddenLine xmlns:a14="http://schemas.microsoft.com/office/drawing/2010/main" xmlns="" w="9525">
                     <a:solidFill>
                       <a:srgbClr val="000000"/>
                     </a:solidFill>
@@ -14436,7 +14476,7 @@
               </a:ln>
               <a:extLst>
                 <a:ext uri="{91240B29-F687-4f45-9708-019B960494DF}">
-                  <a14:hiddenLine xmlns="" xmlns:a14="http://schemas.microsoft.com/office/drawing/2010/main" w="9525">
+                  <a14:hiddenLine xmlns:a14="http://schemas.microsoft.com/office/drawing/2010/main" xmlns="" w="9525">
                     <a:solidFill>
                       <a:srgbClr val="000000"/>
                     </a:solidFill>
@@ -14526,7 +14566,7 @@
               </a:ln>
               <a:extLst>
                 <a:ext uri="{91240B29-F687-4f45-9708-019B960494DF}">
-                  <a14:hiddenLine xmlns="" xmlns:a14="http://schemas.microsoft.com/office/drawing/2010/main" w="9525">
+                  <a14:hiddenLine xmlns:a14="http://schemas.microsoft.com/office/drawing/2010/main" xmlns="" w="9525">
                     <a:solidFill>
                       <a:srgbClr val="000000"/>
                     </a:solidFill>
@@ -14594,7 +14634,7 @@
               </a:ln>
               <a:extLst>
                 <a:ext uri="{91240B29-F687-4f45-9708-019B960494DF}">
-                  <a14:hiddenLine xmlns="" xmlns:a14="http://schemas.microsoft.com/office/drawing/2010/main" w="9525">
+                  <a14:hiddenLine xmlns:a14="http://schemas.microsoft.com/office/drawing/2010/main" xmlns="" w="9525">
                     <a:solidFill>
                       <a:srgbClr val="000000"/>
                     </a:solidFill>
@@ -14684,7 +14724,7 @@
               </a:ln>
               <a:extLst>
                 <a:ext uri="{91240B29-F687-4f45-9708-019B960494DF}">
-                  <a14:hiddenLine xmlns="" xmlns:a14="http://schemas.microsoft.com/office/drawing/2010/main" w="9525">
+                  <a14:hiddenLine xmlns:a14="http://schemas.microsoft.com/office/drawing/2010/main" xmlns="" w="9525">
                     <a:solidFill>
                       <a:srgbClr val="000000"/>
                     </a:solidFill>
@@ -14718,7 +14758,7 @@
               </a:ln>
               <a:extLst>
                 <a:ext uri="{91240B29-F687-4f45-9708-019B960494DF}">
-                  <a14:hiddenLine xmlns="" xmlns:a14="http://schemas.microsoft.com/office/drawing/2010/main" w="9525">
+                  <a14:hiddenLine xmlns:a14="http://schemas.microsoft.com/office/drawing/2010/main" xmlns="" w="9525">
                     <a:solidFill>
                       <a:srgbClr val="000000"/>
                     </a:solidFill>
@@ -14858,7 +14898,7 @@
           <a:p>
             <a:fld id="{5BCAD085-E8A6-8845-BD4E-CB4CCA059FC4}" type="datetimeFigureOut">
               <a:rPr lang="en-US" smtClean="0"/>
-              <a:t>6/9/2024</a:t>
+              <a:t>6/10/2024</a:t>
             </a:fld>
             <a:endParaRPr lang="en-US"/>
           </a:p>
@@ -15817,14 +15857,14 @@
           <a:lstStyle/>
           <a:p>
             <a:r>
-              <a:rPr b="1" dirty="0" err="1">
+              <a:rPr lang="hu-HU" b="1" dirty="0">
                 <a:solidFill>
                   <a:schemeClr val="bg2">
                     <a:lumMod val="75000"/>
                   </a:schemeClr>
                 </a:solidFill>
               </a:rPr>
-              <a:t>Tűzfal</a:t>
+              <a:t>FIREWALL</a:t>
             </a:r>
             <a:r>
               <a:rPr b="1" dirty="0">

--- a/BEMUTATÓ/ANGOL_Halozattervezesi_vizsgaremek_ppt.pptx
+++ b/BEMUTATÓ/ANGOL_Halozattervezesi_vizsgaremek_ppt.pptx
@@ -3036,7 +3036,7 @@
           <a:noFill/>
           <a:extLst>
             <a:ext uri="{909E8E84-426E-40dd-AFC4-6F175D3DCCD1}">
-              <a14:hiddenFill xmlns:a14="http://schemas.microsoft.com/office/drawing/2010/main" xmlns="">
+              <a14:hiddenFill xmlns="" xmlns:a14="http://schemas.microsoft.com/office/drawing/2010/main">
                 <a:solidFill>
                   <a:srgbClr val="FFFFFF"/>
                 </a:solidFill>
@@ -3096,7 +3096,7 @@
             </a:ln>
             <a:extLst>
               <a:ext uri="{91240B29-F687-4f45-9708-019B960494DF}">
-                <a14:hiddenLine xmlns:a14="http://schemas.microsoft.com/office/drawing/2010/main" xmlns="" w="9525">
+                <a14:hiddenLine xmlns="" xmlns:a14="http://schemas.microsoft.com/office/drawing/2010/main" w="9525">
                   <a:solidFill>
                     <a:srgbClr val="000000"/>
                   </a:solidFill>
@@ -3186,7 +3186,7 @@
             </a:ln>
             <a:extLst>
               <a:ext uri="{91240B29-F687-4f45-9708-019B960494DF}">
-                <a14:hiddenLine xmlns:a14="http://schemas.microsoft.com/office/drawing/2010/main" xmlns="" w="9525">
+                <a14:hiddenLine xmlns="" xmlns:a14="http://schemas.microsoft.com/office/drawing/2010/main" w="9525">
                   <a:solidFill>
                     <a:srgbClr val="000000"/>
                   </a:solidFill>
@@ -3276,7 +3276,7 @@
             </a:ln>
             <a:extLst>
               <a:ext uri="{91240B29-F687-4f45-9708-019B960494DF}">
-                <a14:hiddenLine xmlns:a14="http://schemas.microsoft.com/office/drawing/2010/main" xmlns="" w="9525">
+                <a14:hiddenLine xmlns="" xmlns:a14="http://schemas.microsoft.com/office/drawing/2010/main" w="9525">
                   <a:solidFill>
                     <a:srgbClr val="000000"/>
                   </a:solidFill>
@@ -3310,7 +3310,7 @@
             </a:ln>
             <a:extLst>
               <a:ext uri="{91240B29-F687-4f45-9708-019B960494DF}">
-                <a14:hiddenLine xmlns:a14="http://schemas.microsoft.com/office/drawing/2010/main" xmlns="" w="9525">
+                <a14:hiddenLine xmlns="" xmlns:a14="http://schemas.microsoft.com/office/drawing/2010/main" w="9525">
                   <a:solidFill>
                     <a:srgbClr val="000000"/>
                   </a:solidFill>
@@ -3400,7 +3400,7 @@
             </a:ln>
             <a:extLst>
               <a:ext uri="{91240B29-F687-4f45-9708-019B960494DF}">
-                <a14:hiddenLine xmlns:a14="http://schemas.microsoft.com/office/drawing/2010/main" xmlns="" w="9525">
+                <a14:hiddenLine xmlns="" xmlns:a14="http://schemas.microsoft.com/office/drawing/2010/main" w="9525">
                   <a:solidFill>
                     <a:srgbClr val="000000"/>
                   </a:solidFill>
@@ -3462,7 +3462,7 @@
             </a:ln>
             <a:extLst>
               <a:ext uri="{91240B29-F687-4f45-9708-019B960494DF}">
-                <a14:hiddenLine xmlns:a14="http://schemas.microsoft.com/office/drawing/2010/main" xmlns="" w="9525">
+                <a14:hiddenLine xmlns="" xmlns:a14="http://schemas.microsoft.com/office/drawing/2010/main" w="9525">
                   <a:solidFill>
                     <a:srgbClr val="000000"/>
                   </a:solidFill>
@@ -3524,7 +3524,7 @@
             </a:ln>
             <a:extLst>
               <a:ext uri="{91240B29-F687-4f45-9708-019B960494DF}">
-                <a14:hiddenLine xmlns:a14="http://schemas.microsoft.com/office/drawing/2010/main" xmlns="" w="9525">
+                <a14:hiddenLine xmlns="" xmlns:a14="http://schemas.microsoft.com/office/drawing/2010/main" w="9525">
                   <a:solidFill>
                     <a:srgbClr val="000000"/>
                   </a:solidFill>
@@ -3614,7 +3614,7 @@
             </a:ln>
             <a:extLst>
               <a:ext uri="{91240B29-F687-4f45-9708-019B960494DF}">
-                <a14:hiddenLine xmlns:a14="http://schemas.microsoft.com/office/drawing/2010/main" xmlns="" w="9525">
+                <a14:hiddenLine xmlns="" xmlns:a14="http://schemas.microsoft.com/office/drawing/2010/main" w="9525">
                   <a:solidFill>
                     <a:srgbClr val="000000"/>
                   </a:solidFill>
@@ -3676,7 +3676,7 @@
             </a:ln>
             <a:extLst>
               <a:ext uri="{91240B29-F687-4f45-9708-019B960494DF}">
-                <a14:hiddenLine xmlns:a14="http://schemas.microsoft.com/office/drawing/2010/main" xmlns="" w="9525">
+                <a14:hiddenLine xmlns="" xmlns:a14="http://schemas.microsoft.com/office/drawing/2010/main" w="9525">
                   <a:solidFill>
                     <a:srgbClr val="000000"/>
                   </a:solidFill>
@@ -3738,7 +3738,7 @@
             </a:ln>
             <a:extLst>
               <a:ext uri="{91240B29-F687-4f45-9708-019B960494DF}">
-                <a14:hiddenLine xmlns:a14="http://schemas.microsoft.com/office/drawing/2010/main" xmlns="" w="9525">
+                <a14:hiddenLine xmlns="" xmlns:a14="http://schemas.microsoft.com/office/drawing/2010/main" w="9525">
                   <a:solidFill>
                     <a:srgbClr val="000000"/>
                   </a:solidFill>
@@ -3828,7 +3828,7 @@
             </a:ln>
             <a:extLst>
               <a:ext uri="{91240B29-F687-4f45-9708-019B960494DF}">
-                <a14:hiddenLine xmlns:a14="http://schemas.microsoft.com/office/drawing/2010/main" xmlns="" w="9525">
+                <a14:hiddenLine xmlns="" xmlns:a14="http://schemas.microsoft.com/office/drawing/2010/main" w="9525">
                   <a:solidFill>
                     <a:srgbClr val="000000"/>
                   </a:solidFill>
@@ -3918,7 +3918,7 @@
             </a:ln>
             <a:extLst>
               <a:ext uri="{91240B29-F687-4f45-9708-019B960494DF}">
-                <a14:hiddenLine xmlns:a14="http://schemas.microsoft.com/office/drawing/2010/main" xmlns="" w="9525">
+                <a14:hiddenLine xmlns="" xmlns:a14="http://schemas.microsoft.com/office/drawing/2010/main" w="9525">
                   <a:solidFill>
                     <a:srgbClr val="000000"/>
                   </a:solidFill>
@@ -3980,7 +3980,7 @@
             </a:ln>
             <a:extLst>
               <a:ext uri="{91240B29-F687-4f45-9708-019B960494DF}">
-                <a14:hiddenLine xmlns:a14="http://schemas.microsoft.com/office/drawing/2010/main" xmlns="" w="9525">
+                <a14:hiddenLine xmlns="" xmlns:a14="http://schemas.microsoft.com/office/drawing/2010/main" w="9525">
                   <a:solidFill>
                     <a:srgbClr val="000000"/>
                   </a:solidFill>
@@ -4090,7 +4090,7 @@
             </a:ln>
             <a:extLst>
               <a:ext uri="{91240B29-F687-4f45-9708-019B960494DF}">
-                <a14:hiddenLine xmlns:a14="http://schemas.microsoft.com/office/drawing/2010/main" xmlns="" w="9525">
+                <a14:hiddenLine xmlns="" xmlns:a14="http://schemas.microsoft.com/office/drawing/2010/main" w="9525">
                   <a:solidFill>
                     <a:srgbClr val="000000"/>
                   </a:solidFill>
@@ -4152,7 +4152,7 @@
             </a:ln>
             <a:extLst>
               <a:ext uri="{91240B29-F687-4f45-9708-019B960494DF}">
-                <a14:hiddenLine xmlns:a14="http://schemas.microsoft.com/office/drawing/2010/main" xmlns="" w="9525">
+                <a14:hiddenLine xmlns="" xmlns:a14="http://schemas.microsoft.com/office/drawing/2010/main" w="9525">
                   <a:solidFill>
                     <a:srgbClr val="000000"/>
                   </a:solidFill>
@@ -4242,7 +4242,7 @@
             </a:ln>
             <a:extLst>
               <a:ext uri="{91240B29-F687-4f45-9708-019B960494DF}">
-                <a14:hiddenLine xmlns:a14="http://schemas.microsoft.com/office/drawing/2010/main" xmlns="" w="9525">
+                <a14:hiddenLine xmlns="" xmlns:a14="http://schemas.microsoft.com/office/drawing/2010/main" w="9525">
                   <a:solidFill>
                     <a:srgbClr val="000000"/>
                   </a:solidFill>
@@ -4332,7 +4332,7 @@
             </a:ln>
             <a:extLst>
               <a:ext uri="{91240B29-F687-4f45-9708-019B960494DF}">
-                <a14:hiddenLine xmlns:a14="http://schemas.microsoft.com/office/drawing/2010/main" xmlns="" w="9525">
+                <a14:hiddenLine xmlns="" xmlns:a14="http://schemas.microsoft.com/office/drawing/2010/main" w="9525">
                   <a:solidFill>
                     <a:srgbClr val="000000"/>
                   </a:solidFill>
@@ -4394,7 +4394,7 @@
             </a:ln>
             <a:extLst>
               <a:ext uri="{91240B29-F687-4f45-9708-019B960494DF}">
-                <a14:hiddenLine xmlns:a14="http://schemas.microsoft.com/office/drawing/2010/main" xmlns="" w="9525">
+                <a14:hiddenLine xmlns="" xmlns:a14="http://schemas.microsoft.com/office/drawing/2010/main" w="9525">
                   <a:solidFill>
                     <a:srgbClr val="000000"/>
                   </a:solidFill>
@@ -4484,7 +4484,7 @@
             </a:ln>
             <a:extLst>
               <a:ext uri="{91240B29-F687-4f45-9708-019B960494DF}">
-                <a14:hiddenLine xmlns:a14="http://schemas.microsoft.com/office/drawing/2010/main" xmlns="" w="9525">
+                <a14:hiddenLine xmlns="" xmlns:a14="http://schemas.microsoft.com/office/drawing/2010/main" w="9525">
                   <a:solidFill>
                     <a:srgbClr val="000000"/>
                   </a:solidFill>
@@ -4574,7 +4574,7 @@
             </a:ln>
             <a:extLst>
               <a:ext uri="{91240B29-F687-4f45-9708-019B960494DF}">
-                <a14:hiddenLine xmlns:a14="http://schemas.microsoft.com/office/drawing/2010/main" xmlns="" w="9525">
+                <a14:hiddenLine xmlns="" xmlns:a14="http://schemas.microsoft.com/office/drawing/2010/main" w="9525">
                   <a:solidFill>
                     <a:srgbClr val="000000"/>
                   </a:solidFill>
@@ -4630,7 +4630,7 @@
             </a:ln>
             <a:extLst>
               <a:ext uri="{91240B29-F687-4f45-9708-019B960494DF}">
-                <a14:hiddenLine xmlns:a14="http://schemas.microsoft.com/office/drawing/2010/main" xmlns="" w="9525">
+                <a14:hiddenLine xmlns="" xmlns:a14="http://schemas.microsoft.com/office/drawing/2010/main" w="9525">
                   <a:solidFill>
                     <a:srgbClr val="000000"/>
                   </a:solidFill>
@@ -4720,7 +4720,7 @@
             </a:ln>
             <a:extLst>
               <a:ext uri="{91240B29-F687-4f45-9708-019B960494DF}">
-                <a14:hiddenLine xmlns:a14="http://schemas.microsoft.com/office/drawing/2010/main" xmlns="" w="9525">
+                <a14:hiddenLine xmlns="" xmlns:a14="http://schemas.microsoft.com/office/drawing/2010/main" w="9525">
                   <a:solidFill>
                     <a:srgbClr val="000000"/>
                   </a:solidFill>
@@ -4776,7 +4776,7 @@
             </a:ln>
             <a:extLst>
               <a:ext uri="{91240B29-F687-4f45-9708-019B960494DF}">
-                <a14:hiddenLine xmlns:a14="http://schemas.microsoft.com/office/drawing/2010/main" xmlns="" w="9525">
+                <a14:hiddenLine xmlns="" xmlns:a14="http://schemas.microsoft.com/office/drawing/2010/main" w="9525">
                   <a:solidFill>
                     <a:srgbClr val="000000"/>
                   </a:solidFill>
@@ -4866,7 +4866,7 @@
             </a:ln>
             <a:extLst>
               <a:ext uri="{91240B29-F687-4f45-9708-019B960494DF}">
-                <a14:hiddenLine xmlns:a14="http://schemas.microsoft.com/office/drawing/2010/main" xmlns="" w="9525">
+                <a14:hiddenLine xmlns="" xmlns:a14="http://schemas.microsoft.com/office/drawing/2010/main" w="9525">
                   <a:solidFill>
                     <a:srgbClr val="000000"/>
                   </a:solidFill>
@@ -4934,7 +4934,7 @@
             </a:ln>
             <a:extLst>
               <a:ext uri="{91240B29-F687-4f45-9708-019B960494DF}">
-                <a14:hiddenLine xmlns:a14="http://schemas.microsoft.com/office/drawing/2010/main" xmlns="" w="9525">
+                <a14:hiddenLine xmlns="" xmlns:a14="http://schemas.microsoft.com/office/drawing/2010/main" w="9525">
                   <a:solidFill>
                     <a:srgbClr val="000000"/>
                   </a:solidFill>
@@ -5024,7 +5024,7 @@
             </a:ln>
             <a:extLst>
               <a:ext uri="{91240B29-F687-4f45-9708-019B960494DF}">
-                <a14:hiddenLine xmlns:a14="http://schemas.microsoft.com/office/drawing/2010/main" xmlns="" w="9525">
+                <a14:hiddenLine xmlns="" xmlns:a14="http://schemas.microsoft.com/office/drawing/2010/main" w="9525">
                   <a:solidFill>
                     <a:srgbClr val="000000"/>
                   </a:solidFill>
@@ -5092,7 +5092,7 @@
             </a:ln>
             <a:extLst>
               <a:ext uri="{91240B29-F687-4f45-9708-019B960494DF}">
-                <a14:hiddenLine xmlns:a14="http://schemas.microsoft.com/office/drawing/2010/main" xmlns="" w="9525">
+                <a14:hiddenLine xmlns="" xmlns:a14="http://schemas.microsoft.com/office/drawing/2010/main" w="9525">
                   <a:solidFill>
                     <a:srgbClr val="000000"/>
                   </a:solidFill>
@@ -5182,7 +5182,7 @@
             </a:ln>
             <a:extLst>
               <a:ext uri="{91240B29-F687-4f45-9708-019B960494DF}">
-                <a14:hiddenLine xmlns:a14="http://schemas.microsoft.com/office/drawing/2010/main" xmlns="" w="9525">
+                <a14:hiddenLine xmlns="" xmlns:a14="http://schemas.microsoft.com/office/drawing/2010/main" w="9525">
                   <a:solidFill>
                     <a:srgbClr val="000000"/>
                   </a:solidFill>
@@ -5216,7 +5216,7 @@
             </a:ln>
             <a:extLst>
               <a:ext uri="{91240B29-F687-4f45-9708-019B960494DF}">
-                <a14:hiddenLine xmlns:a14="http://schemas.microsoft.com/office/drawing/2010/main" xmlns="" w="9525">
+                <a14:hiddenLine xmlns="" xmlns:a14="http://schemas.microsoft.com/office/drawing/2010/main" w="9525">
                   <a:solidFill>
                     <a:srgbClr val="000000"/>
                   </a:solidFill>
@@ -5306,7 +5306,7 @@
             </a:ln>
             <a:extLst>
               <a:ext uri="{91240B29-F687-4f45-9708-019B960494DF}">
-                <a14:hiddenLine xmlns:a14="http://schemas.microsoft.com/office/drawing/2010/main" xmlns="" w="9525">
+                <a14:hiddenLine xmlns="" xmlns:a14="http://schemas.microsoft.com/office/drawing/2010/main" w="9525">
                   <a:solidFill>
                     <a:srgbClr val="000000"/>
                   </a:solidFill>
@@ -5368,7 +5368,7 @@
             </a:ln>
             <a:extLst>
               <a:ext uri="{91240B29-F687-4f45-9708-019B960494DF}">
-                <a14:hiddenLine xmlns:a14="http://schemas.microsoft.com/office/drawing/2010/main" xmlns="" w="9525">
+                <a14:hiddenLine xmlns="" xmlns:a14="http://schemas.microsoft.com/office/drawing/2010/main" w="9525">
                   <a:solidFill>
                     <a:srgbClr val="000000"/>
                   </a:solidFill>
@@ -5430,7 +5430,7 @@
             </a:ln>
             <a:extLst>
               <a:ext uri="{91240B29-F687-4f45-9708-019B960494DF}">
-                <a14:hiddenLine xmlns:a14="http://schemas.microsoft.com/office/drawing/2010/main" xmlns="" w="9525">
+                <a14:hiddenLine xmlns="" xmlns:a14="http://schemas.microsoft.com/office/drawing/2010/main" w="9525">
                   <a:solidFill>
                     <a:srgbClr val="000000"/>
                   </a:solidFill>
@@ -5520,7 +5520,7 @@
             </a:ln>
             <a:extLst>
               <a:ext uri="{91240B29-F687-4f45-9708-019B960494DF}">
-                <a14:hiddenLine xmlns:a14="http://schemas.microsoft.com/office/drawing/2010/main" xmlns="" w="9525">
+                <a14:hiddenLine xmlns="" xmlns:a14="http://schemas.microsoft.com/office/drawing/2010/main" w="9525">
                   <a:solidFill>
                     <a:srgbClr val="000000"/>
                   </a:solidFill>
@@ -5588,7 +5588,7 @@
             </a:ln>
             <a:extLst>
               <a:ext uri="{91240B29-F687-4f45-9708-019B960494DF}">
-                <a14:hiddenLine xmlns:a14="http://schemas.microsoft.com/office/drawing/2010/main" xmlns="" w="9525">
+                <a14:hiddenLine xmlns="" xmlns:a14="http://schemas.microsoft.com/office/drawing/2010/main" w="9525">
                   <a:solidFill>
                     <a:srgbClr val="000000"/>
                   </a:solidFill>
@@ -5650,7 +5650,7 @@
             </a:ln>
             <a:extLst>
               <a:ext uri="{91240B29-F687-4f45-9708-019B960494DF}">
-                <a14:hiddenLine xmlns:a14="http://schemas.microsoft.com/office/drawing/2010/main" xmlns="" w="9525">
+                <a14:hiddenLine xmlns="" xmlns:a14="http://schemas.microsoft.com/office/drawing/2010/main" w="9525">
                   <a:solidFill>
                     <a:srgbClr val="000000"/>
                   </a:solidFill>
@@ -5740,7 +5740,7 @@
             </a:ln>
             <a:extLst>
               <a:ext uri="{91240B29-F687-4f45-9708-019B960494DF}">
-                <a14:hiddenLine xmlns:a14="http://schemas.microsoft.com/office/drawing/2010/main" xmlns="" w="9525">
+                <a14:hiddenLine xmlns="" xmlns:a14="http://schemas.microsoft.com/office/drawing/2010/main" w="9525">
                   <a:solidFill>
                     <a:srgbClr val="000000"/>
                   </a:solidFill>
@@ -5802,7 +5802,7 @@
             </a:ln>
             <a:extLst>
               <a:ext uri="{91240B29-F687-4f45-9708-019B960494DF}">
-                <a14:hiddenLine xmlns:a14="http://schemas.microsoft.com/office/drawing/2010/main" xmlns="" w="9525">
+                <a14:hiddenLine xmlns="" xmlns:a14="http://schemas.microsoft.com/office/drawing/2010/main" w="9525">
                   <a:solidFill>
                     <a:srgbClr val="000000"/>
                   </a:solidFill>
@@ -5892,7 +5892,7 @@
             </a:ln>
             <a:extLst>
               <a:ext uri="{91240B29-F687-4f45-9708-019B960494DF}">
-                <a14:hiddenLine xmlns:a14="http://schemas.microsoft.com/office/drawing/2010/main" xmlns="" w="9525">
+                <a14:hiddenLine xmlns="" xmlns:a14="http://schemas.microsoft.com/office/drawing/2010/main" w="9525">
                   <a:solidFill>
                     <a:srgbClr val="000000"/>
                   </a:solidFill>
@@ -5954,7 +5954,7 @@
             </a:ln>
             <a:extLst>
               <a:ext uri="{91240B29-F687-4f45-9708-019B960494DF}">
-                <a14:hiddenLine xmlns:a14="http://schemas.microsoft.com/office/drawing/2010/main" xmlns="" w="9525">
+                <a14:hiddenLine xmlns="" xmlns:a14="http://schemas.microsoft.com/office/drawing/2010/main" w="9525">
                   <a:solidFill>
                     <a:srgbClr val="000000"/>
                   </a:solidFill>
@@ -6044,7 +6044,7 @@
             </a:ln>
             <a:extLst>
               <a:ext uri="{91240B29-F687-4f45-9708-019B960494DF}">
-                <a14:hiddenLine xmlns:a14="http://schemas.microsoft.com/office/drawing/2010/main" xmlns="" w="9525">
+                <a14:hiddenLine xmlns="" xmlns:a14="http://schemas.microsoft.com/office/drawing/2010/main" w="9525">
                   <a:solidFill>
                     <a:srgbClr val="000000"/>
                   </a:solidFill>
@@ -6078,7 +6078,7 @@
             </a:ln>
             <a:extLst>
               <a:ext uri="{91240B29-F687-4f45-9708-019B960494DF}">
-                <a14:hiddenLine xmlns:a14="http://schemas.microsoft.com/office/drawing/2010/main" xmlns="" w="9525">
+                <a14:hiddenLine xmlns="" xmlns:a14="http://schemas.microsoft.com/office/drawing/2010/main" w="9525">
                   <a:solidFill>
                     <a:srgbClr val="000000"/>
                   </a:solidFill>
@@ -6143,7 +6143,7 @@
             </a:ln>
             <a:extLst>
               <a:ext uri="{91240B29-F687-4f45-9708-019B960494DF}">
-                <a14:hiddenLine xmlns:a14="http://schemas.microsoft.com/office/drawing/2010/main" xmlns="" w="9525">
+                <a14:hiddenLine xmlns="" xmlns:a14="http://schemas.microsoft.com/office/drawing/2010/main" w="9525">
                   <a:solidFill>
                     <a:srgbClr val="000000"/>
                   </a:solidFill>
@@ -6233,7 +6233,7 @@
             </a:ln>
             <a:extLst>
               <a:ext uri="{91240B29-F687-4f45-9708-019B960494DF}">
-                <a14:hiddenLine xmlns:a14="http://schemas.microsoft.com/office/drawing/2010/main" xmlns="" w="9525">
+                <a14:hiddenLine xmlns="" xmlns:a14="http://schemas.microsoft.com/office/drawing/2010/main" w="9525">
                   <a:solidFill>
                     <a:srgbClr val="000000"/>
                   </a:solidFill>
@@ -6295,7 +6295,7 @@
             </a:ln>
             <a:extLst>
               <a:ext uri="{91240B29-F687-4f45-9708-019B960494DF}">
-                <a14:hiddenLine xmlns:a14="http://schemas.microsoft.com/office/drawing/2010/main" xmlns="" w="9525">
+                <a14:hiddenLine xmlns="" xmlns:a14="http://schemas.microsoft.com/office/drawing/2010/main" w="9525">
                   <a:solidFill>
                     <a:srgbClr val="000000"/>
                   </a:solidFill>
@@ -6385,7 +6385,7 @@
             </a:ln>
             <a:extLst>
               <a:ext uri="{91240B29-F687-4f45-9708-019B960494DF}">
-                <a14:hiddenLine xmlns:a14="http://schemas.microsoft.com/office/drawing/2010/main" xmlns="" w="9525">
+                <a14:hiddenLine xmlns="" xmlns:a14="http://schemas.microsoft.com/office/drawing/2010/main" w="9525">
                   <a:solidFill>
                     <a:srgbClr val="000000"/>
                   </a:solidFill>
@@ -6475,7 +6475,7 @@
             </a:ln>
             <a:extLst>
               <a:ext uri="{91240B29-F687-4f45-9708-019B960494DF}">
-                <a14:hiddenLine xmlns:a14="http://schemas.microsoft.com/office/drawing/2010/main" xmlns="" w="9525">
+                <a14:hiddenLine xmlns="" xmlns:a14="http://schemas.microsoft.com/office/drawing/2010/main" w="9525">
                   <a:solidFill>
                     <a:srgbClr val="000000"/>
                   </a:solidFill>
@@ -6540,7 +6540,7 @@
             </a:ln>
             <a:extLst>
               <a:ext uri="{91240B29-F687-4f45-9708-019B960494DF}">
-                <a14:hiddenLine xmlns:a14="http://schemas.microsoft.com/office/drawing/2010/main" xmlns="" w="9525">
+                <a14:hiddenLine xmlns="" xmlns:a14="http://schemas.microsoft.com/office/drawing/2010/main" w="9525">
                   <a:solidFill>
                     <a:srgbClr val="000000"/>
                   </a:solidFill>
@@ -6602,7 +6602,7 @@
             </a:ln>
             <a:extLst>
               <a:ext uri="{91240B29-F687-4f45-9708-019B960494DF}">
-                <a14:hiddenLine xmlns:a14="http://schemas.microsoft.com/office/drawing/2010/main" xmlns="" w="9525">
+                <a14:hiddenLine xmlns="" xmlns:a14="http://schemas.microsoft.com/office/drawing/2010/main" w="9525">
                   <a:solidFill>
                     <a:srgbClr val="000000"/>
                   </a:solidFill>
@@ -6692,7 +6692,7 @@
             </a:ln>
             <a:extLst>
               <a:ext uri="{91240B29-F687-4f45-9708-019B960494DF}">
-                <a14:hiddenLine xmlns:a14="http://schemas.microsoft.com/office/drawing/2010/main" xmlns="" w="9525">
+                <a14:hiddenLine xmlns="" xmlns:a14="http://schemas.microsoft.com/office/drawing/2010/main" w="9525">
                   <a:solidFill>
                     <a:srgbClr val="000000"/>
                   </a:solidFill>
@@ -6782,7 +6782,7 @@
             </a:ln>
             <a:extLst>
               <a:ext uri="{91240B29-F687-4f45-9708-019B960494DF}">
-                <a14:hiddenLine xmlns:a14="http://schemas.microsoft.com/office/drawing/2010/main" xmlns="" w="9525">
+                <a14:hiddenLine xmlns="" xmlns:a14="http://schemas.microsoft.com/office/drawing/2010/main" w="9525">
                   <a:solidFill>
                     <a:srgbClr val="000000"/>
                   </a:solidFill>
@@ -6844,7 +6844,7 @@
             </a:ln>
             <a:extLst>
               <a:ext uri="{91240B29-F687-4f45-9708-019B960494DF}">
-                <a14:hiddenLine xmlns:a14="http://schemas.microsoft.com/office/drawing/2010/main" xmlns="" w="9525">
+                <a14:hiddenLine xmlns="" xmlns:a14="http://schemas.microsoft.com/office/drawing/2010/main" w="9525">
                   <a:solidFill>
                     <a:srgbClr val="000000"/>
                   </a:solidFill>
@@ -6964,7 +6964,7 @@
             </a:ln>
             <a:extLst>
               <a:ext uri="{91240B29-F687-4f45-9708-019B960494DF}">
-                <a14:hiddenLine xmlns:a14="http://schemas.microsoft.com/office/drawing/2010/main" xmlns="" w="9525">
+                <a14:hiddenLine xmlns="" xmlns:a14="http://schemas.microsoft.com/office/drawing/2010/main" w="9525">
                   <a:solidFill>
                     <a:srgbClr val="000000"/>
                   </a:solidFill>
@@ -7032,7 +7032,7 @@
             </a:ln>
             <a:extLst>
               <a:ext uri="{91240B29-F687-4f45-9708-019B960494DF}">
-                <a14:hiddenLine xmlns:a14="http://schemas.microsoft.com/office/drawing/2010/main" xmlns="" w="9525">
+                <a14:hiddenLine xmlns="" xmlns:a14="http://schemas.microsoft.com/office/drawing/2010/main" w="9525">
                   <a:solidFill>
                     <a:srgbClr val="000000"/>
                   </a:solidFill>
@@ -7122,7 +7122,7 @@
             </a:ln>
             <a:extLst>
               <a:ext uri="{91240B29-F687-4f45-9708-019B960494DF}">
-                <a14:hiddenLine xmlns:a14="http://schemas.microsoft.com/office/drawing/2010/main" xmlns="" w="9525">
+                <a14:hiddenLine xmlns="" xmlns:a14="http://schemas.microsoft.com/office/drawing/2010/main" w="9525">
                   <a:solidFill>
                     <a:srgbClr val="000000"/>
                   </a:solidFill>
@@ -11937,7 +11937,7 @@
           <a:noFill/>
           <a:extLst>
             <a:ext uri="{909E8E84-426E-40dd-AFC4-6F175D3DCCD1}">
-              <a14:hiddenFill xmlns:a14="http://schemas.microsoft.com/office/drawing/2010/main" xmlns="">
+              <a14:hiddenFill xmlns="" xmlns:a14="http://schemas.microsoft.com/office/drawing/2010/main">
                 <a:solidFill>
                   <a:srgbClr val="FFFFFF"/>
                 </a:solidFill>
@@ -12011,7 +12011,7 @@
               </a:ln>
               <a:extLst>
                 <a:ext uri="{91240B29-F687-4f45-9708-019B960494DF}">
-                  <a14:hiddenLine xmlns:a14="http://schemas.microsoft.com/office/drawing/2010/main" xmlns="" w="9525">
+                  <a14:hiddenLine xmlns="" xmlns:a14="http://schemas.microsoft.com/office/drawing/2010/main" w="9525">
                     <a:solidFill>
                       <a:srgbClr val="000000"/>
                     </a:solidFill>
@@ -12101,7 +12101,7 @@
               </a:ln>
               <a:extLst>
                 <a:ext uri="{91240B29-F687-4f45-9708-019B960494DF}">
-                  <a14:hiddenLine xmlns:a14="http://schemas.microsoft.com/office/drawing/2010/main" xmlns="" w="9525">
+                  <a14:hiddenLine xmlns="" xmlns:a14="http://schemas.microsoft.com/office/drawing/2010/main" w="9525">
                     <a:solidFill>
                       <a:srgbClr val="000000"/>
                     </a:solidFill>
@@ -12191,7 +12191,7 @@
               </a:ln>
               <a:extLst>
                 <a:ext uri="{91240B29-F687-4f45-9708-019B960494DF}">
-                  <a14:hiddenLine xmlns:a14="http://schemas.microsoft.com/office/drawing/2010/main" xmlns="" w="9525">
+                  <a14:hiddenLine xmlns="" xmlns:a14="http://schemas.microsoft.com/office/drawing/2010/main" w="9525">
                     <a:solidFill>
                       <a:srgbClr val="000000"/>
                     </a:solidFill>
@@ -12253,7 +12253,7 @@
               </a:ln>
               <a:extLst>
                 <a:ext uri="{91240B29-F687-4f45-9708-019B960494DF}">
-                  <a14:hiddenLine xmlns:a14="http://schemas.microsoft.com/office/drawing/2010/main" xmlns="" w="9525">
+                  <a14:hiddenLine xmlns="" xmlns:a14="http://schemas.microsoft.com/office/drawing/2010/main" w="9525">
                     <a:solidFill>
                       <a:srgbClr val="000000"/>
                     </a:solidFill>
@@ -12343,7 +12343,7 @@
               </a:ln>
               <a:extLst>
                 <a:ext uri="{91240B29-F687-4f45-9708-019B960494DF}">
-                  <a14:hiddenLine xmlns:a14="http://schemas.microsoft.com/office/drawing/2010/main" xmlns="" w="9525">
+                  <a14:hiddenLine xmlns="" xmlns:a14="http://schemas.microsoft.com/office/drawing/2010/main" w="9525">
                     <a:solidFill>
                       <a:srgbClr val="000000"/>
                     </a:solidFill>
@@ -12405,7 +12405,7 @@
               </a:ln>
               <a:extLst>
                 <a:ext uri="{91240B29-F687-4f45-9708-019B960494DF}">
-                  <a14:hiddenLine xmlns:a14="http://schemas.microsoft.com/office/drawing/2010/main" xmlns="" w="9525">
+                  <a14:hiddenLine xmlns="" xmlns:a14="http://schemas.microsoft.com/office/drawing/2010/main" w="9525">
                     <a:solidFill>
                       <a:srgbClr val="000000"/>
                     </a:solidFill>
@@ -12467,7 +12467,7 @@
               </a:ln>
               <a:extLst>
                 <a:ext uri="{91240B29-F687-4f45-9708-019B960494DF}">
-                  <a14:hiddenLine xmlns:a14="http://schemas.microsoft.com/office/drawing/2010/main" xmlns="" w="9525">
+                  <a14:hiddenLine xmlns="" xmlns:a14="http://schemas.microsoft.com/office/drawing/2010/main" w="9525">
                     <a:solidFill>
                       <a:srgbClr val="000000"/>
                     </a:solidFill>
@@ -12557,7 +12557,7 @@
               </a:ln>
               <a:extLst>
                 <a:ext uri="{91240B29-F687-4f45-9708-019B960494DF}">
-                  <a14:hiddenLine xmlns:a14="http://schemas.microsoft.com/office/drawing/2010/main" xmlns="" w="9525">
+                  <a14:hiddenLine xmlns="" xmlns:a14="http://schemas.microsoft.com/office/drawing/2010/main" w="9525">
                     <a:solidFill>
                       <a:srgbClr val="000000"/>
                     </a:solidFill>
@@ -12647,7 +12647,7 @@
               </a:ln>
               <a:extLst>
                 <a:ext uri="{91240B29-F687-4f45-9708-019B960494DF}">
-                  <a14:hiddenLine xmlns:a14="http://schemas.microsoft.com/office/drawing/2010/main" xmlns="" w="9525">
+                  <a14:hiddenLine xmlns="" xmlns:a14="http://schemas.microsoft.com/office/drawing/2010/main" w="9525">
                     <a:solidFill>
                       <a:srgbClr val="000000"/>
                     </a:solidFill>
@@ -12709,7 +12709,7 @@
               </a:ln>
               <a:extLst>
                 <a:ext uri="{91240B29-F687-4f45-9708-019B960494DF}">
-                  <a14:hiddenLine xmlns:a14="http://schemas.microsoft.com/office/drawing/2010/main" xmlns="" w="9525">
+                  <a14:hiddenLine xmlns="" xmlns:a14="http://schemas.microsoft.com/office/drawing/2010/main" w="9525">
                     <a:solidFill>
                       <a:srgbClr val="000000"/>
                     </a:solidFill>
@@ -12819,7 +12819,7 @@
               </a:ln>
               <a:extLst>
                 <a:ext uri="{91240B29-F687-4f45-9708-019B960494DF}">
-                  <a14:hiddenLine xmlns:a14="http://schemas.microsoft.com/office/drawing/2010/main" xmlns="" w="9525">
+                  <a14:hiddenLine xmlns="" xmlns:a14="http://schemas.microsoft.com/office/drawing/2010/main" w="9525">
                     <a:solidFill>
                       <a:srgbClr val="000000"/>
                     </a:solidFill>
@@ -12903,7 +12903,7 @@
               </a:ln>
               <a:extLst>
                 <a:ext uri="{91240B29-F687-4f45-9708-019B960494DF}">
-                  <a14:hiddenLine xmlns:a14="http://schemas.microsoft.com/office/drawing/2010/main" xmlns="" w="9525">
+                  <a14:hiddenLine xmlns="" xmlns:a14="http://schemas.microsoft.com/office/drawing/2010/main" w="9525">
                     <a:solidFill>
                       <a:srgbClr val="000000"/>
                     </a:solidFill>
@@ -12965,7 +12965,7 @@
               </a:ln>
               <a:extLst>
                 <a:ext uri="{91240B29-F687-4f45-9708-019B960494DF}">
-                  <a14:hiddenLine xmlns:a14="http://schemas.microsoft.com/office/drawing/2010/main" xmlns="" w="9525">
+                  <a14:hiddenLine xmlns="" xmlns:a14="http://schemas.microsoft.com/office/drawing/2010/main" w="9525">
                     <a:solidFill>
                       <a:srgbClr val="000000"/>
                     </a:solidFill>
@@ -13027,7 +13027,7 @@
               </a:ln>
               <a:extLst>
                 <a:ext uri="{91240B29-F687-4f45-9708-019B960494DF}">
-                  <a14:hiddenLine xmlns:a14="http://schemas.microsoft.com/office/drawing/2010/main" xmlns="" w="9525">
+                  <a14:hiddenLine xmlns="" xmlns:a14="http://schemas.microsoft.com/office/drawing/2010/main" w="9525">
                     <a:solidFill>
                       <a:srgbClr val="000000"/>
                     </a:solidFill>
@@ -13117,7 +13117,7 @@
               </a:ln>
               <a:extLst>
                 <a:ext uri="{91240B29-F687-4f45-9708-019B960494DF}">
-                  <a14:hiddenLine xmlns:a14="http://schemas.microsoft.com/office/drawing/2010/main" xmlns="" w="9525">
+                  <a14:hiddenLine xmlns="" xmlns:a14="http://schemas.microsoft.com/office/drawing/2010/main" w="9525">
                     <a:solidFill>
                       <a:srgbClr val="000000"/>
                     </a:solidFill>
@@ -13151,7 +13151,7 @@
               </a:ln>
               <a:extLst>
                 <a:ext uri="{91240B29-F687-4f45-9708-019B960494DF}">
-                  <a14:hiddenLine xmlns:a14="http://schemas.microsoft.com/office/drawing/2010/main" xmlns="" w="9525">
+                  <a14:hiddenLine xmlns="" xmlns:a14="http://schemas.microsoft.com/office/drawing/2010/main" w="9525">
                     <a:solidFill>
                       <a:srgbClr val="000000"/>
                     </a:solidFill>
@@ -13216,7 +13216,7 @@
               </a:ln>
               <a:extLst>
                 <a:ext uri="{91240B29-F687-4f45-9708-019B960494DF}">
-                  <a14:hiddenLine xmlns:a14="http://schemas.microsoft.com/office/drawing/2010/main" xmlns="" w="9525">
+                  <a14:hiddenLine xmlns="" xmlns:a14="http://schemas.microsoft.com/office/drawing/2010/main" w="9525">
                     <a:solidFill>
                       <a:srgbClr val="000000"/>
                     </a:solidFill>
@@ -13306,7 +13306,7 @@
               </a:ln>
               <a:extLst>
                 <a:ext uri="{91240B29-F687-4f45-9708-019B960494DF}">
-                  <a14:hiddenLine xmlns:a14="http://schemas.microsoft.com/office/drawing/2010/main" xmlns="" w="9525">
+                  <a14:hiddenLine xmlns="" xmlns:a14="http://schemas.microsoft.com/office/drawing/2010/main" w="9525">
                     <a:solidFill>
                       <a:srgbClr val="000000"/>
                     </a:solidFill>
@@ -13368,7 +13368,7 @@
               </a:ln>
               <a:extLst>
                 <a:ext uri="{91240B29-F687-4f45-9708-019B960494DF}">
-                  <a14:hiddenLine xmlns:a14="http://schemas.microsoft.com/office/drawing/2010/main" xmlns="" w="9525">
+                  <a14:hiddenLine xmlns="" xmlns:a14="http://schemas.microsoft.com/office/drawing/2010/main" w="9525">
                     <a:solidFill>
                       <a:srgbClr val="000000"/>
                     </a:solidFill>
@@ -13458,7 +13458,7 @@
               </a:ln>
               <a:extLst>
                 <a:ext uri="{91240B29-F687-4f45-9708-019B960494DF}">
-                  <a14:hiddenLine xmlns:a14="http://schemas.microsoft.com/office/drawing/2010/main" xmlns="" w="9525">
+                  <a14:hiddenLine xmlns="" xmlns:a14="http://schemas.microsoft.com/office/drawing/2010/main" w="9525">
                     <a:solidFill>
                       <a:srgbClr val="000000"/>
                     </a:solidFill>
@@ -13523,7 +13523,7 @@
               </a:ln>
               <a:extLst>
                 <a:ext uri="{91240B29-F687-4f45-9708-019B960494DF}">
-                  <a14:hiddenLine xmlns:a14="http://schemas.microsoft.com/office/drawing/2010/main" xmlns="" w="9525">
+                  <a14:hiddenLine xmlns="" xmlns:a14="http://schemas.microsoft.com/office/drawing/2010/main" w="9525">
                     <a:solidFill>
                       <a:srgbClr val="000000"/>
                     </a:solidFill>
@@ -13585,7 +13585,7 @@
               </a:ln>
               <a:extLst>
                 <a:ext uri="{91240B29-F687-4f45-9708-019B960494DF}">
-                  <a14:hiddenLine xmlns:a14="http://schemas.microsoft.com/office/drawing/2010/main" xmlns="" w="9525">
+                  <a14:hiddenLine xmlns="" xmlns:a14="http://schemas.microsoft.com/office/drawing/2010/main" w="9525">
                     <a:solidFill>
                       <a:srgbClr val="000000"/>
                     </a:solidFill>
@@ -13675,7 +13675,7 @@
               </a:ln>
               <a:extLst>
                 <a:ext uri="{91240B29-F687-4f45-9708-019B960494DF}">
-                  <a14:hiddenLine xmlns:a14="http://schemas.microsoft.com/office/drawing/2010/main" xmlns="" w="9525">
+                  <a14:hiddenLine xmlns="" xmlns:a14="http://schemas.microsoft.com/office/drawing/2010/main" w="9525">
                     <a:solidFill>
                       <a:srgbClr val="000000"/>
                     </a:solidFill>
@@ -13765,7 +13765,7 @@
               </a:ln>
               <a:extLst>
                 <a:ext uri="{91240B29-F687-4f45-9708-019B960494DF}">
-                  <a14:hiddenLine xmlns:a14="http://schemas.microsoft.com/office/drawing/2010/main" xmlns="" w="9525">
+                  <a14:hiddenLine xmlns="" xmlns:a14="http://schemas.microsoft.com/office/drawing/2010/main" w="9525">
                     <a:solidFill>
                       <a:srgbClr val="000000"/>
                     </a:solidFill>
@@ -13830,7 +13830,7 @@
               </a:ln>
               <a:extLst>
                 <a:ext uri="{91240B29-F687-4f45-9708-019B960494DF}">
-                  <a14:hiddenLine xmlns:a14="http://schemas.microsoft.com/office/drawing/2010/main" xmlns="" w="9525">
+                  <a14:hiddenLine xmlns="" xmlns:a14="http://schemas.microsoft.com/office/drawing/2010/main" w="9525">
                     <a:solidFill>
                       <a:srgbClr val="000000"/>
                     </a:solidFill>
@@ -13950,7 +13950,7 @@
               </a:ln>
               <a:extLst>
                 <a:ext uri="{91240B29-F687-4f45-9708-019B960494DF}">
-                  <a14:hiddenLine xmlns:a14="http://schemas.microsoft.com/office/drawing/2010/main" xmlns="" w="9525">
+                  <a14:hiddenLine xmlns="" xmlns:a14="http://schemas.microsoft.com/office/drawing/2010/main" w="9525">
                     <a:solidFill>
                       <a:srgbClr val="000000"/>
                     </a:solidFill>
@@ -14048,7 +14048,7 @@
               </a:ln>
               <a:extLst>
                 <a:ext uri="{91240B29-F687-4f45-9708-019B960494DF}">
-                  <a14:hiddenLine xmlns:a14="http://schemas.microsoft.com/office/drawing/2010/main" xmlns="" w="9525">
+                  <a14:hiddenLine xmlns="" xmlns:a14="http://schemas.microsoft.com/office/drawing/2010/main" w="9525">
                     <a:solidFill>
                       <a:srgbClr val="000000"/>
                     </a:solidFill>
@@ -14163,7 +14163,7 @@
               </a:ln>
               <a:extLst>
                 <a:ext uri="{91240B29-F687-4f45-9708-019B960494DF}">
-                  <a14:hiddenLine xmlns:a14="http://schemas.microsoft.com/office/drawing/2010/main" xmlns="" w="9525">
+                  <a14:hiddenLine xmlns="" xmlns:a14="http://schemas.microsoft.com/office/drawing/2010/main" w="9525">
                     <a:solidFill>
                       <a:srgbClr val="000000"/>
                     </a:solidFill>
@@ -14253,7 +14253,7 @@
               </a:ln>
               <a:extLst>
                 <a:ext uri="{91240B29-F687-4f45-9708-019B960494DF}">
-                  <a14:hiddenLine xmlns:a14="http://schemas.microsoft.com/office/drawing/2010/main" xmlns="" w="9525">
+                  <a14:hiddenLine xmlns="" xmlns:a14="http://schemas.microsoft.com/office/drawing/2010/main" w="9525">
                     <a:solidFill>
                       <a:srgbClr val="000000"/>
                     </a:solidFill>
@@ -14318,7 +14318,7 @@
               </a:ln>
               <a:extLst>
                 <a:ext uri="{91240B29-F687-4f45-9708-019B960494DF}">
-                  <a14:hiddenLine xmlns:a14="http://schemas.microsoft.com/office/drawing/2010/main" xmlns="" w="9525">
+                  <a14:hiddenLine xmlns="" xmlns:a14="http://schemas.microsoft.com/office/drawing/2010/main" w="9525">
                     <a:solidFill>
                       <a:srgbClr val="000000"/>
                     </a:solidFill>
@@ -14408,7 +14408,7 @@
               </a:ln>
               <a:extLst>
                 <a:ext uri="{91240B29-F687-4f45-9708-019B960494DF}">
-                  <a14:hiddenLine xmlns:a14="http://schemas.microsoft.com/office/drawing/2010/main" xmlns="" w="9525">
+                  <a14:hiddenLine xmlns="" xmlns:a14="http://schemas.microsoft.com/office/drawing/2010/main" w="9525">
                     <a:solidFill>
                       <a:srgbClr val="000000"/>
                     </a:solidFill>
@@ -14476,7 +14476,7 @@
               </a:ln>
               <a:extLst>
                 <a:ext uri="{91240B29-F687-4f45-9708-019B960494DF}">
-                  <a14:hiddenLine xmlns:a14="http://schemas.microsoft.com/office/drawing/2010/main" xmlns="" w="9525">
+                  <a14:hiddenLine xmlns="" xmlns:a14="http://schemas.microsoft.com/office/drawing/2010/main" w="9525">
                     <a:solidFill>
                       <a:srgbClr val="000000"/>
                     </a:solidFill>
@@ -14566,7 +14566,7 @@
               </a:ln>
               <a:extLst>
                 <a:ext uri="{91240B29-F687-4f45-9708-019B960494DF}">
-                  <a14:hiddenLine xmlns:a14="http://schemas.microsoft.com/office/drawing/2010/main" xmlns="" w="9525">
+                  <a14:hiddenLine xmlns="" xmlns:a14="http://schemas.microsoft.com/office/drawing/2010/main" w="9525">
                     <a:solidFill>
                       <a:srgbClr val="000000"/>
                     </a:solidFill>
@@ -14634,7 +14634,7 @@
               </a:ln>
               <a:extLst>
                 <a:ext uri="{91240B29-F687-4f45-9708-019B960494DF}">
-                  <a14:hiddenLine xmlns:a14="http://schemas.microsoft.com/office/drawing/2010/main" xmlns="" w="9525">
+                  <a14:hiddenLine xmlns="" xmlns:a14="http://schemas.microsoft.com/office/drawing/2010/main" w="9525">
                     <a:solidFill>
                       <a:srgbClr val="000000"/>
                     </a:solidFill>
@@ -14724,7 +14724,7 @@
               </a:ln>
               <a:extLst>
                 <a:ext uri="{91240B29-F687-4f45-9708-019B960494DF}">
-                  <a14:hiddenLine xmlns:a14="http://schemas.microsoft.com/office/drawing/2010/main" xmlns="" w="9525">
+                  <a14:hiddenLine xmlns="" xmlns:a14="http://schemas.microsoft.com/office/drawing/2010/main" w="9525">
                     <a:solidFill>
                       <a:srgbClr val="000000"/>
                     </a:solidFill>
@@ -14758,7 +14758,7 @@
               </a:ln>
               <a:extLst>
                 <a:ext uri="{91240B29-F687-4f45-9708-019B960494DF}">
-                  <a14:hiddenLine xmlns:a14="http://schemas.microsoft.com/office/drawing/2010/main" xmlns="" w="9525">
+                  <a14:hiddenLine xmlns="" xmlns:a14="http://schemas.microsoft.com/office/drawing/2010/main" w="9525">
                     <a:solidFill>
                       <a:srgbClr val="000000"/>
                     </a:solidFill>
@@ -16951,7 +16951,7 @@
             </a:r>
             <a:r>
               <a:rPr lang="en-US" sz="4400" dirty="0"/>
-              <a:t>. as a major player in the furniture industry</a:t>
+              <a:t>. as a key contributor to the furniture industry</a:t>
             </a:r>
             <a:endParaRPr dirty="0"/>
           </a:p>
